--- a/Day3/practical_annotatingSNVs.pptx
+++ b/Day3/practical_annotatingSNVs.pptx
@@ -5,7 +5,7 @@
     <p:sldMasterId id="2147483648" r:id="rId1"/>
   </p:sldMasterIdLst>
   <p:notesMasterIdLst>
-    <p:notesMasterId r:id="rId13"/>
+    <p:notesMasterId r:id="rId14"/>
   </p:notesMasterIdLst>
   <p:sldIdLst>
     <p:sldId id="256" r:id="rId2"/>
@@ -13,12 +13,13 @@
     <p:sldId id="274" r:id="rId4"/>
     <p:sldId id="275" r:id="rId5"/>
     <p:sldId id="278" r:id="rId6"/>
-    <p:sldId id="279" r:id="rId7"/>
-    <p:sldId id="276" r:id="rId8"/>
-    <p:sldId id="280" r:id="rId9"/>
-    <p:sldId id="277" r:id="rId10"/>
-    <p:sldId id="281" r:id="rId11"/>
-    <p:sldId id="282" r:id="rId12"/>
+    <p:sldId id="283" r:id="rId7"/>
+    <p:sldId id="279" r:id="rId8"/>
+    <p:sldId id="276" r:id="rId9"/>
+    <p:sldId id="280" r:id="rId10"/>
+    <p:sldId id="277" r:id="rId11"/>
+    <p:sldId id="281" r:id="rId12"/>
+    <p:sldId id="282" r:id="rId13"/>
   </p:sldIdLst>
   <p:sldSz cx="9144000" cy="6858000" type="screen4x3"/>
   <p:notesSz cx="6858000" cy="9144000"/>
@@ -202,7 +203,7 @@
           <a:p>
             <a:fld id="{027F27FD-F2E6-DC45-B007-E9D2EAAF4503}" type="datetimeFigureOut">
               <a:rPr lang="en-US" smtClean="0"/>
-              <a:t>20/07/17</a:t>
+              <a:t>21/07/17</a:t>
             </a:fld>
             <a:endParaRPr lang="en-GB"/>
           </a:p>
@@ -520,11 +521,7 @@
             </a:r>
             <a:r>
               <a:rPr lang="en-GB" baseline="0" dirty="0" smtClean="0"/>
-              <a:t>command </a:t>
-            </a:r>
-            <a:r>
-              <a:rPr lang="en-GB" baseline="0" dirty="0" smtClean="0"/>
-              <a:t>line parameters</a:t>
+              <a:t>command line parameters</a:t>
             </a:r>
           </a:p>
           <a:p>
@@ -872,6 +869,420 @@
 </p:notes>
 </file>
 
+<file path=ppt/notesSlides/notesSlide3.xml><?xml version="1.0" encoding="utf-8"?>
+<p:notes xmlns:a="http://schemas.openxmlformats.org/drawingml/2006/main" xmlns:r="http://schemas.openxmlformats.org/officeDocument/2006/relationships" xmlns:p="http://schemas.openxmlformats.org/presentationml/2006/main">
+  <p:cSld>
+    <p:spTree>
+      <p:nvGrpSpPr>
+        <p:cNvPr id="1" name=""/>
+        <p:cNvGrpSpPr/>
+        <p:nvPr/>
+      </p:nvGrpSpPr>
+      <p:grpSpPr>
+        <a:xfrm>
+          <a:off x="0" y="0"/>
+          <a:ext cx="0" cy="0"/>
+          <a:chOff x="0" y="0"/>
+          <a:chExt cx="0" cy="0"/>
+        </a:xfrm>
+      </p:grpSpPr>
+      <p:sp>
+        <p:nvSpPr>
+          <p:cNvPr id="2" name="Slide Image Placeholder 1"/>
+          <p:cNvSpPr>
+            <a:spLocks noGrp="1" noRot="1" noChangeAspect="1"/>
+          </p:cNvSpPr>
+          <p:nvPr>
+            <p:ph type="sldImg"/>
+          </p:nvPr>
+        </p:nvSpPr>
+        <p:spPr/>
+      </p:sp>
+      <p:sp>
+        <p:nvSpPr>
+          <p:cNvPr id="3" name="Notes Placeholder 2"/>
+          <p:cNvSpPr>
+            <a:spLocks noGrp="1"/>
+          </p:cNvSpPr>
+          <p:nvPr>
+            <p:ph type="body" idx="1"/>
+          </p:nvPr>
+        </p:nvSpPr>
+        <p:spPr/>
+        <p:txBody>
+          <a:bodyPr/>
+          <a:lstStyle/>
+          <a:p>
+            <a:r>
+              <a:rPr lang="en-GB" dirty="0" smtClean="0"/>
+              <a:t>What is</a:t>
+            </a:r>
+            <a:r>
+              <a:rPr lang="en-GB" baseline="0" dirty="0" smtClean="0"/>
+              <a:t> the impact of the command line parameters</a:t>
+            </a:r>
+          </a:p>
+          <a:p>
+            <a:r>
+              <a:rPr lang="en-GB" sz="1200" kern="1200" dirty="0" smtClean="0">
+                <a:solidFill>
+                  <a:schemeClr val="tx1"/>
+                </a:solidFill>
+                <a:latin typeface="+mn-lt"/>
+                <a:ea typeface="+mn-ea"/>
+                <a:cs typeface="+mn-cs"/>
+              </a:rPr>
+              <a:t>--</a:t>
+            </a:r>
+            <a:r>
+              <a:rPr lang="en-GB" sz="1200" kern="1200" dirty="0" err="1" smtClean="0">
+                <a:solidFill>
+                  <a:schemeClr val="tx1"/>
+                </a:solidFill>
+                <a:latin typeface="+mn-lt"/>
+                <a:ea typeface="+mn-ea"/>
+                <a:cs typeface="+mn-cs"/>
+              </a:rPr>
+              <a:t>transcript_function</a:t>
+            </a:r>
+            <a:r>
+              <a:rPr lang="en-GB" sz="1200" kern="1200" dirty="0" smtClean="0">
+                <a:solidFill>
+                  <a:schemeClr val="tx1"/>
+                </a:solidFill>
+                <a:latin typeface="+mn-lt"/>
+                <a:ea typeface="+mn-ea"/>
+                <a:cs typeface="+mn-cs"/>
+              </a:rPr>
+              <a:t>: transcript name rather than gene name</a:t>
+            </a:r>
+          </a:p>
+          <a:p>
+            <a:r>
+              <a:rPr lang="en-GB" sz="1200" kern="1200" dirty="0" smtClean="0">
+                <a:solidFill>
+                  <a:schemeClr val="tx1"/>
+                </a:solidFill>
+                <a:latin typeface="+mn-lt"/>
+                <a:ea typeface="+mn-ea"/>
+                <a:cs typeface="+mn-cs"/>
+              </a:rPr>
+              <a:t>--</a:t>
+            </a:r>
+            <a:r>
+              <a:rPr lang="en-GB" sz="1200" kern="1200" dirty="0" err="1" smtClean="0">
+                <a:solidFill>
+                  <a:schemeClr val="tx1"/>
+                </a:solidFill>
+                <a:latin typeface="+mn-lt"/>
+                <a:ea typeface="+mn-ea"/>
+                <a:cs typeface="+mn-cs"/>
+              </a:rPr>
+              <a:t>hgvs</a:t>
+            </a:r>
+            <a:r>
+              <a:rPr lang="en-GB" sz="1200" kern="1200" dirty="0" smtClean="0">
+                <a:solidFill>
+                  <a:schemeClr val="tx1"/>
+                </a:solidFill>
+                <a:latin typeface="+mn-lt"/>
+                <a:ea typeface="+mn-ea"/>
+                <a:cs typeface="+mn-cs"/>
+              </a:rPr>
+              <a:t>: (c.122C&gt;T rather than c.C122T)</a:t>
+            </a:r>
+          </a:p>
+          <a:p>
+            <a:r>
+              <a:rPr lang="en-GB" sz="1200" kern="1200" dirty="0" smtClean="0">
+                <a:solidFill>
+                  <a:schemeClr val="tx1"/>
+                </a:solidFill>
+                <a:latin typeface="+mn-lt"/>
+                <a:ea typeface="+mn-ea"/>
+                <a:cs typeface="+mn-cs"/>
+              </a:rPr>
+              <a:t>--separate:</a:t>
+            </a:r>
+            <a:r>
+              <a:rPr lang="en-GB" sz="1200" kern="1200" baseline="0" dirty="0" smtClean="0">
+                <a:solidFill>
+                  <a:schemeClr val="tx1"/>
+                </a:solidFill>
+                <a:latin typeface="+mn-lt"/>
+                <a:ea typeface="+mn-ea"/>
+                <a:cs typeface="+mn-cs"/>
+              </a:rPr>
+              <a:t> </a:t>
+            </a:r>
+            <a:r>
+              <a:rPr lang="en-GB" sz="1200" kern="1200" dirty="0" smtClean="0">
+                <a:solidFill>
+                  <a:schemeClr val="tx1"/>
+                </a:solidFill>
+                <a:latin typeface="+mn-lt"/>
+                <a:ea typeface="+mn-ea"/>
+                <a:cs typeface="+mn-cs"/>
+              </a:rPr>
+              <a:t>separately print out all functions of a variant in several lines </a:t>
+            </a:r>
+          </a:p>
+          <a:p>
+            <a:endParaRPr lang="en-GB" dirty="0"/>
+          </a:p>
+        </p:txBody>
+      </p:sp>
+      <p:sp>
+        <p:nvSpPr>
+          <p:cNvPr id="4" name="Slide Number Placeholder 3"/>
+          <p:cNvSpPr>
+            <a:spLocks noGrp="1"/>
+          </p:cNvSpPr>
+          <p:nvPr>
+            <p:ph type="sldNum" sz="quarter" idx="10"/>
+          </p:nvPr>
+        </p:nvSpPr>
+        <p:spPr/>
+        <p:txBody>
+          <a:bodyPr/>
+          <a:lstStyle/>
+          <a:p>
+            <a:fld id="{39BB2709-641C-C047-840B-622E3A2D04E9}" type="slidenum">
+              <a:rPr lang="en-GB" smtClean="0"/>
+              <a:t>6</a:t>
+            </a:fld>
+            <a:endParaRPr lang="en-GB"/>
+          </a:p>
+        </p:txBody>
+      </p:sp>
+    </p:spTree>
+    <p:extLst>
+      <p:ext uri="{BB962C8B-B14F-4D97-AF65-F5344CB8AC3E}">
+        <p14:creationId xmlns:p14="http://schemas.microsoft.com/office/powerpoint/2010/main" val="1099667442"/>
+      </p:ext>
+    </p:extLst>
+  </p:cSld>
+  <p:clrMapOvr>
+    <a:masterClrMapping/>
+  </p:clrMapOvr>
+</p:notes>
+</file>
+
+<file path=ppt/notesSlides/notesSlide4.xml><?xml version="1.0" encoding="utf-8"?>
+<p:notes xmlns:a="http://schemas.openxmlformats.org/drawingml/2006/main" xmlns:r="http://schemas.openxmlformats.org/officeDocument/2006/relationships" xmlns:p="http://schemas.openxmlformats.org/presentationml/2006/main">
+  <p:cSld>
+    <p:spTree>
+      <p:nvGrpSpPr>
+        <p:cNvPr id="1" name=""/>
+        <p:cNvGrpSpPr/>
+        <p:nvPr/>
+      </p:nvGrpSpPr>
+      <p:grpSpPr>
+        <a:xfrm>
+          <a:off x="0" y="0"/>
+          <a:ext cx="0" cy="0"/>
+          <a:chOff x="0" y="0"/>
+          <a:chExt cx="0" cy="0"/>
+        </a:xfrm>
+      </p:grpSpPr>
+      <p:sp>
+        <p:nvSpPr>
+          <p:cNvPr id="2" name="Slide Image Placeholder 1"/>
+          <p:cNvSpPr>
+            <a:spLocks noGrp="1" noRot="1" noChangeAspect="1"/>
+          </p:cNvSpPr>
+          <p:nvPr>
+            <p:ph type="sldImg"/>
+          </p:nvPr>
+        </p:nvSpPr>
+        <p:spPr/>
+      </p:sp>
+      <p:sp>
+        <p:nvSpPr>
+          <p:cNvPr id="3" name="Notes Placeholder 2"/>
+          <p:cNvSpPr>
+            <a:spLocks noGrp="1"/>
+          </p:cNvSpPr>
+          <p:nvPr>
+            <p:ph type="body" idx="1"/>
+          </p:nvPr>
+        </p:nvSpPr>
+        <p:spPr/>
+        <p:txBody>
+          <a:bodyPr/>
+          <a:lstStyle/>
+          <a:p>
+            <a:r>
+              <a:rPr lang="en-GB" dirty="0" err="1" smtClean="0"/>
+              <a:t>micrornas</a:t>
+            </a:r>
+            <a:endParaRPr lang="en-GB" dirty="0" smtClean="0"/>
+          </a:p>
+          <a:p>
+            <a:r>
+              <a:rPr lang="en-GB" dirty="0" err="1" smtClean="0"/>
+              <a:t>phastCons</a:t>
+            </a:r>
+            <a:r>
+              <a:rPr lang="en-GB" dirty="0" smtClean="0"/>
+              <a:t> 46-way alignments for</a:t>
+            </a:r>
+            <a:r>
+              <a:rPr lang="en-GB" baseline="0" dirty="0" smtClean="0"/>
+              <a:t> evolutionary conserved regions</a:t>
+            </a:r>
+          </a:p>
+          <a:p>
+            <a:r>
+              <a:rPr lang="en-GB" baseline="0" dirty="0" smtClean="0"/>
+              <a:t>Conserved transcription factor binding site in </a:t>
+            </a:r>
+            <a:r>
+              <a:rPr lang="en-GB" dirty="0" smtClean="0"/>
+              <a:t>he human/mouse/rat alignment;</a:t>
+            </a:r>
+            <a:r>
+              <a:rPr lang="en-GB" baseline="0" dirty="0" smtClean="0"/>
+              <a:t> score based on TRANSFAC</a:t>
+            </a:r>
+            <a:endParaRPr lang="en-GB" dirty="0"/>
+          </a:p>
+        </p:txBody>
+      </p:sp>
+      <p:sp>
+        <p:nvSpPr>
+          <p:cNvPr id="4" name="Slide Number Placeholder 3"/>
+          <p:cNvSpPr>
+            <a:spLocks noGrp="1"/>
+          </p:cNvSpPr>
+          <p:nvPr>
+            <p:ph type="sldNum" sz="quarter" idx="10"/>
+          </p:nvPr>
+        </p:nvSpPr>
+        <p:spPr/>
+        <p:txBody>
+          <a:bodyPr/>
+          <a:lstStyle/>
+          <a:p>
+            <a:fld id="{39BB2709-641C-C047-840B-622E3A2D04E9}" type="slidenum">
+              <a:rPr lang="en-GB" smtClean="0"/>
+              <a:t>8</a:t>
+            </a:fld>
+            <a:endParaRPr lang="en-GB"/>
+          </a:p>
+        </p:txBody>
+      </p:sp>
+    </p:spTree>
+    <p:extLst>
+      <p:ext uri="{BB962C8B-B14F-4D97-AF65-F5344CB8AC3E}">
+        <p14:creationId xmlns:p14="http://schemas.microsoft.com/office/powerpoint/2010/main" val="1406070141"/>
+      </p:ext>
+    </p:extLst>
+  </p:cSld>
+  <p:clrMapOvr>
+    <a:masterClrMapping/>
+  </p:clrMapOvr>
+</p:notes>
+</file>
+
+<file path=ppt/notesSlides/notesSlide5.xml><?xml version="1.0" encoding="utf-8"?>
+<p:notes xmlns:a="http://schemas.openxmlformats.org/drawingml/2006/main" xmlns:r="http://schemas.openxmlformats.org/officeDocument/2006/relationships" xmlns:p="http://schemas.openxmlformats.org/presentationml/2006/main">
+  <p:cSld>
+    <p:spTree>
+      <p:nvGrpSpPr>
+        <p:cNvPr id="1" name=""/>
+        <p:cNvGrpSpPr/>
+        <p:nvPr/>
+      </p:nvGrpSpPr>
+      <p:grpSpPr>
+        <a:xfrm>
+          <a:off x="0" y="0"/>
+          <a:ext cx="0" cy="0"/>
+          <a:chOff x="0" y="0"/>
+          <a:chExt cx="0" cy="0"/>
+        </a:xfrm>
+      </p:grpSpPr>
+      <p:sp>
+        <p:nvSpPr>
+          <p:cNvPr id="2" name="Slide Image Placeholder 1"/>
+          <p:cNvSpPr>
+            <a:spLocks noGrp="1" noRot="1" noChangeAspect="1"/>
+          </p:cNvSpPr>
+          <p:nvPr>
+            <p:ph type="sldImg"/>
+          </p:nvPr>
+        </p:nvSpPr>
+        <p:spPr/>
+      </p:sp>
+      <p:sp>
+        <p:nvSpPr>
+          <p:cNvPr id="3" name="Notes Placeholder 2"/>
+          <p:cNvSpPr>
+            <a:spLocks noGrp="1"/>
+          </p:cNvSpPr>
+          <p:nvPr>
+            <p:ph type="body" idx="1"/>
+          </p:nvPr>
+        </p:nvSpPr>
+        <p:spPr/>
+        <p:txBody>
+          <a:bodyPr/>
+          <a:lstStyle/>
+          <a:p>
+            <a:r>
+              <a:rPr lang="en-GB" dirty="0" smtClean="0"/>
+              <a:t>Dropped</a:t>
+            </a:r>
+            <a:r>
+              <a:rPr lang="en-GB" baseline="0" dirty="0" smtClean="0"/>
+              <a:t> has been found in the database</a:t>
+            </a:r>
+          </a:p>
+          <a:p>
+            <a:r>
+              <a:rPr lang="en-GB" baseline="0" dirty="0" smtClean="0"/>
+              <a:t>Filtered was not found</a:t>
+            </a:r>
+            <a:endParaRPr lang="en-GB" dirty="0"/>
+          </a:p>
+        </p:txBody>
+      </p:sp>
+      <p:sp>
+        <p:nvSpPr>
+          <p:cNvPr id="4" name="Slide Number Placeholder 3"/>
+          <p:cNvSpPr>
+            <a:spLocks noGrp="1"/>
+          </p:cNvSpPr>
+          <p:nvPr>
+            <p:ph type="sldNum" sz="quarter" idx="10"/>
+          </p:nvPr>
+        </p:nvSpPr>
+        <p:spPr/>
+        <p:txBody>
+          <a:bodyPr/>
+          <a:lstStyle/>
+          <a:p>
+            <a:fld id="{39BB2709-641C-C047-840B-622E3A2D04E9}" type="slidenum">
+              <a:rPr lang="en-GB" smtClean="0"/>
+              <a:t>10</a:t>
+            </a:fld>
+            <a:endParaRPr lang="en-GB"/>
+          </a:p>
+        </p:txBody>
+      </p:sp>
+    </p:spTree>
+    <p:extLst>
+      <p:ext uri="{BB962C8B-B14F-4D97-AF65-F5344CB8AC3E}">
+        <p14:creationId xmlns:p14="http://schemas.microsoft.com/office/powerpoint/2010/main" val="3975897854"/>
+      </p:ext>
+    </p:extLst>
+  </p:cSld>
+  <p:clrMapOvr>
+    <a:masterClrMapping/>
+  </p:clrMapOvr>
+</p:notes>
+</file>
+
 <file path=ppt/slideLayouts/slideLayout1.xml><?xml version="1.0" encoding="utf-8"?>
 <p:sldLayout xmlns:a="http://schemas.openxmlformats.org/drawingml/2006/main" xmlns:r="http://schemas.openxmlformats.org/officeDocument/2006/relationships" xmlns:p="http://schemas.openxmlformats.org/presentationml/2006/main" type="title" preserve="1">
   <p:cSld name="Title Slide">
@@ -1053,7 +1464,7 @@
           <a:p>
             <a:fld id="{66AF94A8-44D6-A24A-B7E3-DD43079A85BD}" type="datetimeFigureOut">
               <a:rPr lang="en-US" smtClean="0"/>
-              <a:t>20/07/17</a:t>
+              <a:t>21/07/17</a:t>
             </a:fld>
             <a:endParaRPr lang="en-GB"/>
           </a:p>
@@ -1223,7 +1634,7 @@
           <a:p>
             <a:fld id="{66AF94A8-44D6-A24A-B7E3-DD43079A85BD}" type="datetimeFigureOut">
               <a:rPr lang="en-US" smtClean="0"/>
-              <a:t>20/07/17</a:t>
+              <a:t>21/07/17</a:t>
             </a:fld>
             <a:endParaRPr lang="en-GB"/>
           </a:p>
@@ -1403,7 +1814,7 @@
           <a:p>
             <a:fld id="{66AF94A8-44D6-A24A-B7E3-DD43079A85BD}" type="datetimeFigureOut">
               <a:rPr lang="en-US" smtClean="0"/>
-              <a:t>20/07/17</a:t>
+              <a:t>21/07/17</a:t>
             </a:fld>
             <a:endParaRPr lang="en-GB"/>
           </a:p>
@@ -1573,7 +1984,7 @@
           <a:p>
             <a:fld id="{66AF94A8-44D6-A24A-B7E3-DD43079A85BD}" type="datetimeFigureOut">
               <a:rPr lang="en-US" smtClean="0"/>
-              <a:t>20/07/17</a:t>
+              <a:t>21/07/17</a:t>
             </a:fld>
             <a:endParaRPr lang="en-GB"/>
           </a:p>
@@ -1819,7 +2230,7 @@
           <a:p>
             <a:fld id="{66AF94A8-44D6-A24A-B7E3-DD43079A85BD}" type="datetimeFigureOut">
               <a:rPr lang="en-US" smtClean="0"/>
-              <a:t>20/07/17</a:t>
+              <a:t>21/07/17</a:t>
             </a:fld>
             <a:endParaRPr lang="en-GB"/>
           </a:p>
@@ -2107,7 +2518,7 @@
           <a:p>
             <a:fld id="{66AF94A8-44D6-A24A-B7E3-DD43079A85BD}" type="datetimeFigureOut">
               <a:rPr lang="en-US" smtClean="0"/>
-              <a:t>20/07/17</a:t>
+              <a:t>21/07/17</a:t>
             </a:fld>
             <a:endParaRPr lang="en-GB"/>
           </a:p>
@@ -2529,7 +2940,7 @@
           <a:p>
             <a:fld id="{66AF94A8-44D6-A24A-B7E3-DD43079A85BD}" type="datetimeFigureOut">
               <a:rPr lang="en-US" smtClean="0"/>
-              <a:t>20/07/17</a:t>
+              <a:t>21/07/17</a:t>
             </a:fld>
             <a:endParaRPr lang="en-GB"/>
           </a:p>
@@ -2647,7 +3058,7 @@
           <a:p>
             <a:fld id="{66AF94A8-44D6-A24A-B7E3-DD43079A85BD}" type="datetimeFigureOut">
               <a:rPr lang="en-US" smtClean="0"/>
-              <a:t>20/07/17</a:t>
+              <a:t>21/07/17</a:t>
             </a:fld>
             <a:endParaRPr lang="en-GB"/>
           </a:p>
@@ -2742,7 +3153,7 @@
           <a:p>
             <a:fld id="{66AF94A8-44D6-A24A-B7E3-DD43079A85BD}" type="datetimeFigureOut">
               <a:rPr lang="en-US" smtClean="0"/>
-              <a:t>20/07/17</a:t>
+              <a:t>21/07/17</a:t>
             </a:fld>
             <a:endParaRPr lang="en-GB"/>
           </a:p>
@@ -3019,7 +3430,7 @@
           <a:p>
             <a:fld id="{66AF94A8-44D6-A24A-B7E3-DD43079A85BD}" type="datetimeFigureOut">
               <a:rPr lang="en-US" smtClean="0"/>
-              <a:t>20/07/17</a:t>
+              <a:t>21/07/17</a:t>
             </a:fld>
             <a:endParaRPr lang="en-GB"/>
           </a:p>
@@ -3272,7 +3683,7 @@
           <a:p>
             <a:fld id="{66AF94A8-44D6-A24A-B7E3-DD43079A85BD}" type="datetimeFigureOut">
               <a:rPr lang="en-US" smtClean="0"/>
-              <a:t>20/07/17</a:t>
+              <a:t>21/07/17</a:t>
             </a:fld>
             <a:endParaRPr lang="en-GB"/>
           </a:p>
@@ -3485,7 +3896,7 @@
           <a:p>
             <a:fld id="{66AF94A8-44D6-A24A-B7E3-DD43079A85BD}" type="datetimeFigureOut">
               <a:rPr lang="en-US" smtClean="0"/>
-              <a:t>20/07/17</a:t>
+              <a:t>21/07/17</a:t>
             </a:fld>
             <a:endParaRPr lang="en-GB"/>
           </a:p>
@@ -3959,6 +4370,408 @@
           <a:p>
             <a:r>
               <a:rPr lang="en-GB" dirty="0" smtClean="0"/>
+              <a:t>Filter-based annotation</a:t>
+            </a:r>
+            <a:endParaRPr lang="en-GB" dirty="0"/>
+          </a:p>
+        </p:txBody>
+      </p:sp>
+      <p:sp>
+        <p:nvSpPr>
+          <p:cNvPr id="3" name="Content Placeholder 2"/>
+          <p:cNvSpPr>
+            <a:spLocks noGrp="1"/>
+          </p:cNvSpPr>
+          <p:nvPr>
+            <p:ph idx="1"/>
+          </p:nvPr>
+        </p:nvSpPr>
+        <p:spPr>
+          <a:xfrm>
+            <a:off x="457200" y="1083675"/>
+            <a:ext cx="8229600" cy="4840034"/>
+          </a:xfrm>
+        </p:spPr>
+        <p:txBody>
+          <a:bodyPr/>
+          <a:lstStyle/>
+          <a:p>
+            <a:r>
+              <a:rPr lang="en-GB" dirty="0"/>
+              <a:t>Uses same script but we need to </a:t>
+            </a:r>
+            <a:r>
+              <a:rPr lang="en-GB" dirty="0" smtClean="0"/>
+              <a:t>change two parameters</a:t>
+            </a:r>
+            <a:r>
+              <a:rPr lang="en-GB" dirty="0" smtClean="0"/>
+              <a:t>:</a:t>
+            </a:r>
+          </a:p>
+          <a:p>
+            <a:endParaRPr lang="en-GB" dirty="0"/>
+          </a:p>
+          <a:p>
+            <a:endParaRPr lang="en-GB" dirty="0" smtClean="0"/>
+          </a:p>
+          <a:p>
+            <a:endParaRPr lang="en-GB" dirty="0"/>
+          </a:p>
+          <a:p>
+            <a:endParaRPr lang="en-GB" dirty="0" smtClean="0"/>
+          </a:p>
+          <a:p>
+            <a:endParaRPr lang="en-GB" dirty="0"/>
+          </a:p>
+          <a:p>
+            <a:r>
+              <a:rPr lang="en-GB" dirty="0" smtClean="0"/>
+              <a:t>Output:</a:t>
+            </a:r>
+          </a:p>
+          <a:p>
+            <a:endParaRPr lang="en-GB" dirty="0"/>
+          </a:p>
+        </p:txBody>
+      </p:sp>
+      <p:sp>
+        <p:nvSpPr>
+          <p:cNvPr id="4" name="TextBox 3"/>
+          <p:cNvSpPr txBox="1"/>
+          <p:nvPr/>
+        </p:nvSpPr>
+        <p:spPr>
+          <a:xfrm>
+            <a:off x="1956618" y="2255524"/>
+            <a:ext cx="5230764" cy="2123658"/>
+          </a:xfrm>
+          <a:prstGeom prst="rect">
+            <a:avLst/>
+          </a:prstGeom>
+          <a:noFill/>
+          <a:ln>
+            <a:solidFill>
+              <a:schemeClr val="bg1">
+                <a:lumMod val="50000"/>
+              </a:schemeClr>
+            </a:solidFill>
+          </a:ln>
+        </p:spPr>
+        <p:txBody>
+          <a:bodyPr wrap="square" rtlCol="0">
+            <a:spAutoFit/>
+          </a:bodyPr>
+          <a:lstStyle/>
+          <a:p>
+            <a:r>
+              <a:rPr lang="en-GB" sz="2200" dirty="0">
+                <a:solidFill>
+                  <a:schemeClr val="bg1">
+                    <a:lumMod val="50000"/>
+                  </a:schemeClr>
+                </a:solidFill>
+              </a:rPr>
+              <a:t>$ software/</a:t>
+            </a:r>
+            <a:r>
+              <a:rPr lang="en-GB" sz="2200" dirty="0" err="1">
+                <a:solidFill>
+                  <a:schemeClr val="bg1">
+                    <a:lumMod val="50000"/>
+                  </a:schemeClr>
+                </a:solidFill>
+              </a:rPr>
+              <a:t>annovar</a:t>
+            </a:r>
+            <a:r>
+              <a:rPr lang="en-GB" sz="2200" dirty="0">
+                <a:solidFill>
+                  <a:schemeClr val="bg1">
+                    <a:lumMod val="50000"/>
+                  </a:schemeClr>
+                </a:solidFill>
+              </a:rPr>
+              <a:t>/</a:t>
+            </a:r>
+            <a:r>
+              <a:rPr lang="en-GB" sz="2200" dirty="0" err="1">
+                <a:solidFill>
+                  <a:schemeClr val="bg1">
+                    <a:lumMod val="50000"/>
+                  </a:schemeClr>
+                </a:solidFill>
+              </a:rPr>
+              <a:t>annotate_variation.pl</a:t>
+            </a:r>
+            <a:r>
+              <a:rPr lang="en-GB" sz="2200" dirty="0">
+                <a:solidFill>
+                  <a:schemeClr val="bg1">
+                    <a:lumMod val="50000"/>
+                  </a:schemeClr>
+                </a:solidFill>
+              </a:rPr>
+              <a:t> \</a:t>
+            </a:r>
+          </a:p>
+          <a:p>
+            <a:r>
+              <a:rPr lang="en-GB" sz="2200" dirty="0">
+                <a:solidFill>
+                  <a:schemeClr val="bg1">
+                    <a:lumMod val="50000"/>
+                  </a:schemeClr>
+                </a:solidFill>
+              </a:rPr>
+              <a:t>	</a:t>
+            </a:r>
+            <a:r>
+              <a:rPr lang="en-GB" sz="2200" dirty="0" smtClean="0">
+                <a:solidFill>
+                  <a:srgbClr val="1100C5"/>
+                </a:solidFill>
+              </a:rPr>
+              <a:t>-</a:t>
+            </a:r>
+            <a:r>
+              <a:rPr lang="en-GB" sz="2200" dirty="0">
+                <a:solidFill>
+                  <a:srgbClr val="1100C5"/>
+                </a:solidFill>
+              </a:rPr>
+              <a:t>filter \</a:t>
+            </a:r>
+          </a:p>
+          <a:p>
+            <a:r>
+              <a:rPr lang="en-GB" sz="2200" dirty="0">
+                <a:solidFill>
+                  <a:schemeClr val="bg1">
+                    <a:lumMod val="50000"/>
+                  </a:schemeClr>
+                </a:solidFill>
+              </a:rPr>
+              <a:t>	-build hg19 \</a:t>
+            </a:r>
+          </a:p>
+          <a:p>
+            <a:r>
+              <a:rPr lang="en-GB" sz="2200" dirty="0">
+                <a:solidFill>
+                  <a:schemeClr val="bg1">
+                    <a:lumMod val="50000"/>
+                  </a:schemeClr>
+                </a:solidFill>
+              </a:rPr>
+              <a:t>	</a:t>
+            </a:r>
+            <a:r>
+              <a:rPr lang="en-GB" sz="2200" dirty="0">
+                <a:solidFill>
+                  <a:srgbClr val="1100C5"/>
+                </a:solidFill>
+              </a:rPr>
+              <a:t>-</a:t>
+            </a:r>
+            <a:r>
+              <a:rPr lang="en-GB" sz="2200" dirty="0" err="1">
+                <a:solidFill>
+                  <a:srgbClr val="1100C5"/>
+                </a:solidFill>
+              </a:rPr>
+              <a:t>dbtype</a:t>
+            </a:r>
+            <a:r>
+              <a:rPr lang="en-GB" sz="2200" dirty="0">
+                <a:solidFill>
+                  <a:srgbClr val="1100C5"/>
+                </a:solidFill>
+              </a:rPr>
+              <a:t> </a:t>
+            </a:r>
+            <a:r>
+              <a:rPr lang="en-GB" sz="2200" dirty="0" err="1" smtClean="0">
+                <a:solidFill>
+                  <a:srgbClr val="1100C5"/>
+                </a:solidFill>
+              </a:rPr>
+              <a:t>filter_dbname</a:t>
+            </a:r>
+            <a:r>
+              <a:rPr lang="en-GB" sz="2200" dirty="0" smtClean="0">
+                <a:solidFill>
+                  <a:srgbClr val="1100C5"/>
+                </a:solidFill>
+              </a:rPr>
+              <a:t> \</a:t>
+            </a:r>
+            <a:r>
+              <a:rPr lang="en-GB" sz="2200" dirty="0">
+                <a:solidFill>
+                  <a:schemeClr val="bg1">
+                    <a:lumMod val="50000"/>
+                  </a:schemeClr>
+                </a:solidFill>
+              </a:rPr>
+              <a:t>	</a:t>
+            </a:r>
+            <a:r>
+              <a:rPr lang="en-GB" sz="2200" dirty="0" err="1" smtClean="0">
+                <a:solidFill>
+                  <a:schemeClr val="bg1">
+                    <a:lumMod val="50000"/>
+                  </a:schemeClr>
+                </a:solidFill>
+              </a:rPr>
+              <a:t>path_to_your_annovar_file</a:t>
+            </a:r>
+            <a:r>
+              <a:rPr lang="en-GB" sz="2200" dirty="0" err="1">
+                <a:solidFill>
+                  <a:schemeClr val="bg1">
+                    <a:lumMod val="50000"/>
+                  </a:schemeClr>
+                </a:solidFill>
+              </a:rPr>
+              <a:t>.avinput</a:t>
+            </a:r>
+            <a:r>
+              <a:rPr lang="en-GB" sz="2200" dirty="0" smtClean="0">
+                <a:solidFill>
+                  <a:schemeClr val="bg1">
+                    <a:lumMod val="50000"/>
+                  </a:schemeClr>
+                </a:solidFill>
+              </a:rPr>
+              <a:t> \</a:t>
+            </a:r>
+            <a:endParaRPr lang="en-GB" sz="2200" dirty="0">
+              <a:solidFill>
+                <a:schemeClr val="bg1">
+                  <a:lumMod val="50000"/>
+                </a:schemeClr>
+              </a:solidFill>
+            </a:endParaRPr>
+          </a:p>
+          <a:p>
+            <a:r>
+              <a:rPr lang="en-GB" sz="2200" dirty="0">
+                <a:solidFill>
+                  <a:schemeClr val="bg1">
+                    <a:lumMod val="50000"/>
+                  </a:schemeClr>
+                </a:solidFill>
+              </a:rPr>
+              <a:t>	</a:t>
+            </a:r>
+            <a:r>
+              <a:rPr lang="en-GB" sz="2200" dirty="0" err="1" smtClean="0">
+                <a:solidFill>
+                  <a:schemeClr val="bg1">
+                    <a:lumMod val="50000"/>
+                  </a:schemeClr>
+                </a:solidFill>
+              </a:rPr>
+              <a:t>path_to_your_db_folder</a:t>
+            </a:r>
+            <a:r>
+              <a:rPr lang="en-GB" sz="2200" dirty="0" smtClean="0">
+                <a:solidFill>
+                  <a:schemeClr val="bg1">
+                    <a:lumMod val="50000"/>
+                  </a:schemeClr>
+                </a:solidFill>
+              </a:rPr>
+              <a:t>;</a:t>
+            </a:r>
+            <a:endParaRPr lang="en-GB" sz="2200" dirty="0">
+              <a:solidFill>
+                <a:schemeClr val="bg1">
+                  <a:lumMod val="50000"/>
+                </a:schemeClr>
+              </a:solidFill>
+            </a:endParaRPr>
+          </a:p>
+        </p:txBody>
+      </p:sp>
+      <p:pic>
+        <p:nvPicPr>
+          <p:cNvPr id="6" name="Picture 5" descr="Screen Shot 2017-07-21 at 16.02.37.png"/>
+          <p:cNvPicPr>
+            <a:picLocks noChangeAspect="1"/>
+          </p:cNvPicPr>
+          <p:nvPr/>
+        </p:nvPicPr>
+        <p:blipFill>
+          <a:blip r:embed="rId3">
+            <a:extLst>
+              <a:ext uri="{28A0092B-C50C-407E-A947-70E740481C1C}">
+                <a14:useLocalDpi xmlns:a14="http://schemas.microsoft.com/office/drawing/2010/main" val="0"/>
+              </a:ext>
+            </a:extLst>
+          </a:blip>
+          <a:stretch>
+            <a:fillRect/>
+          </a:stretch>
+        </p:blipFill>
+        <p:spPr>
+          <a:xfrm>
+            <a:off x="1358082" y="5275870"/>
+            <a:ext cx="5829300" cy="546100"/>
+          </a:xfrm>
+          <a:prstGeom prst="rect">
+            <a:avLst/>
+          </a:prstGeom>
+        </p:spPr>
+      </p:pic>
+    </p:spTree>
+    <p:extLst>
+      <p:ext uri="{BB962C8B-B14F-4D97-AF65-F5344CB8AC3E}">
+        <p14:creationId xmlns:p14="http://schemas.microsoft.com/office/powerpoint/2010/main" val="3906672356"/>
+      </p:ext>
+    </p:extLst>
+  </p:cSld>
+  <p:clrMapOvr>
+    <a:masterClrMapping/>
+  </p:clrMapOvr>
+</p:sld>
+</file>
+
+<file path=ppt/slides/slide11.xml><?xml version="1.0" encoding="utf-8"?>
+<p:sld xmlns:a="http://schemas.openxmlformats.org/drawingml/2006/main" xmlns:r="http://schemas.openxmlformats.org/officeDocument/2006/relationships" xmlns:p="http://schemas.openxmlformats.org/presentationml/2006/main">
+  <p:cSld>
+    <p:spTree>
+      <p:nvGrpSpPr>
+        <p:cNvPr id="1" name=""/>
+        <p:cNvGrpSpPr/>
+        <p:nvPr/>
+      </p:nvGrpSpPr>
+      <p:grpSpPr>
+        <a:xfrm>
+          <a:off x="0" y="0"/>
+          <a:ext cx="0" cy="0"/>
+          <a:chOff x="0" y="0"/>
+          <a:chExt cx="0" cy="0"/>
+        </a:xfrm>
+      </p:grpSpPr>
+      <p:sp>
+        <p:nvSpPr>
+          <p:cNvPr id="2" name="Title 1"/>
+          <p:cNvSpPr>
+            <a:spLocks noGrp="1"/>
+          </p:cNvSpPr>
+          <p:nvPr>
+            <p:ph type="title"/>
+          </p:nvPr>
+        </p:nvSpPr>
+        <p:spPr/>
+        <p:txBody>
+          <a:bodyPr/>
+          <a:lstStyle/>
+          <a:p>
+            <a:r>
+              <a:rPr lang="en-GB" dirty="0" smtClean="0"/>
               <a:t>Exercises</a:t>
             </a:r>
             <a:endParaRPr lang="en-GB" dirty="0"/>
@@ -3980,7 +4793,29 @@
           <a:bodyPr/>
           <a:lstStyle/>
           <a:p>
-            <a:endParaRPr lang="en-GB"/>
+            <a:r>
+              <a:rPr lang="en-GB" dirty="0" smtClean="0"/>
+              <a:t>Ho</a:t>
+            </a:r>
+            <a:r>
+              <a:rPr lang="en-GB" dirty="0" smtClean="0"/>
+              <a:t>w many SNVs would you filter based on </a:t>
+            </a:r>
+            <a:r>
+              <a:rPr lang="en-GB" dirty="0" err="1" smtClean="0"/>
+              <a:t>dbSNP</a:t>
+            </a:r>
+            <a:r>
+              <a:rPr lang="en-GB" dirty="0" smtClean="0"/>
+              <a:t>?</a:t>
+            </a:r>
+          </a:p>
+          <a:p>
+            <a:r>
+              <a:rPr lang="en-GB" dirty="0" smtClean="0"/>
+              <a:t>How many based on Cosmic?</a:t>
+            </a:r>
+            <a:endParaRPr lang="en-GB" dirty="0"/>
           </a:p>
         </p:txBody>
       </p:sp>
@@ -3997,7 +4832,7 @@
 </p:sld>
 </file>
 
-<file path=ppt/slides/slide11.xml><?xml version="1.0" encoding="utf-8"?>
+<file path=ppt/slides/slide12.xml><?xml version="1.0" encoding="utf-8"?>
 <p:sld xmlns:a="http://schemas.openxmlformats.org/drawingml/2006/main" xmlns:r="http://schemas.openxmlformats.org/officeDocument/2006/relationships" xmlns:p="http://schemas.openxmlformats.org/presentationml/2006/main">
   <p:cSld>
     <p:spTree>
@@ -4707,6 +5542,36 @@
           <a:chExt cx="0" cy="0"/>
         </a:xfrm>
       </p:grpSpPr>
+      <p:pic>
+        <p:nvPicPr>
+          <p:cNvPr id="4" name="Picture 3" descr="Screen Shot 2017-07-21 at 15.05.54.png"/>
+          <p:cNvPicPr>
+            <a:picLocks noChangeAspect="1"/>
+          </p:cNvPicPr>
+          <p:nvPr/>
+        </p:nvPicPr>
+        <p:blipFill>
+          <a:blip r:embed="rId2">
+            <a:extLst>
+              <a:ext uri="{28A0092B-C50C-407E-A947-70E740481C1C}">
+                <a14:useLocalDpi xmlns:a14="http://schemas.microsoft.com/office/drawing/2010/main" val="0"/>
+              </a:ext>
+            </a:extLst>
+          </a:blip>
+          <a:stretch>
+            <a:fillRect/>
+          </a:stretch>
+        </p:blipFill>
+        <p:spPr>
+          <a:xfrm>
+            <a:off x="596900" y="4454767"/>
+            <a:ext cx="8089900" cy="1993900"/>
+          </a:xfrm>
+          <a:prstGeom prst="rect">
+            <a:avLst/>
+          </a:prstGeom>
+        </p:spPr>
+      </p:pic>
       <p:sp>
         <p:nvSpPr>
           <p:cNvPr id="2" name="Title 1"/>
@@ -4742,9 +5607,12 @@
         </p:nvSpPr>
         <p:spPr>
           <a:xfrm>
-            <a:off x="457200" y="1286130"/>
-            <a:ext cx="8229600" cy="5394726"/>
+            <a:off x="457200" y="1325206"/>
+            <a:ext cx="8229600" cy="3168637"/>
           </a:xfrm>
+          <a:solidFill>
+            <a:schemeClr val="bg1"/>
+          </a:solidFill>
         </p:spPr>
         <p:txBody>
           <a:bodyPr/>
@@ -5090,7 +5958,7 @@
         </p:nvSpPr>
         <p:spPr>
           <a:xfrm>
-            <a:off x="1956618" y="3055147"/>
+            <a:off x="2054310" y="3055147"/>
             <a:ext cx="5230764" cy="1446550"/>
           </a:xfrm>
           <a:prstGeom prst="rect">
@@ -5171,10 +6039,20 @@
                   </a:schemeClr>
                 </a:solidFill>
               </a:rPr>
-              <a:t>	-</a:t>
-            </a:r>
-            <a:r>
-              <a:rPr lang="en-GB" sz="2200" dirty="0" err="1">
+              <a:t>	</a:t>
+            </a:r>
+            <a:r>
+              <a:rPr lang="en-GB" sz="2200" dirty="0" smtClean="0">
+                <a:solidFill>
+                  <a:schemeClr val="bg1">
+                    <a:lumMod val="50000"/>
+                  </a:schemeClr>
+                </a:solidFill>
+              </a:rPr>
+              <a:t>--</a:t>
+            </a:r>
+            <a:r>
+              <a:rPr lang="en-GB" sz="2200" dirty="0" err="1" smtClean="0">
                 <a:solidFill>
                   <a:schemeClr val="bg1">
                     <a:lumMod val="50000"/>
@@ -5184,6 +6062,16 @@
               <a:t>buildver</a:t>
             </a:r>
             <a:r>
+              <a:rPr lang="en-GB" sz="2200" dirty="0" smtClean="0">
+                <a:solidFill>
+                  <a:schemeClr val="bg1">
+                    <a:lumMod val="50000"/>
+                  </a:schemeClr>
+                </a:solidFill>
+              </a:rPr>
+              <a:t> </a:t>
+            </a:r>
+            <a:r>
               <a:rPr lang="en-GB" sz="2200" dirty="0">
                 <a:solidFill>
                   <a:schemeClr val="bg1">
@@ -5191,7 +6079,7 @@
                   </a:schemeClr>
                 </a:solidFill>
               </a:rPr>
-              <a:t> hg19 </a:t>
+              <a:t>hg19 </a:t>
             </a:r>
             <a:r>
               <a:rPr lang="en-GB" sz="2200" dirty="0" smtClean="0">
@@ -5292,6 +6180,36 @@
           </a:p>
         </p:txBody>
       </p:sp>
+      <p:pic>
+        <p:nvPicPr>
+          <p:cNvPr id="6" name="Picture 5" descr="Screen Shot 2017-07-21 at 15.27.27.png"/>
+          <p:cNvPicPr>
+            <a:picLocks noChangeAspect="1"/>
+          </p:cNvPicPr>
+          <p:nvPr/>
+        </p:nvPicPr>
+        <p:blipFill>
+          <a:blip r:embed="rId3">
+            <a:extLst>
+              <a:ext uri="{28A0092B-C50C-407E-A947-70E740481C1C}">
+                <a14:useLocalDpi xmlns:a14="http://schemas.microsoft.com/office/drawing/2010/main" val="0"/>
+              </a:ext>
+            </a:extLst>
+          </a:blip>
+          <a:stretch>
+            <a:fillRect/>
+          </a:stretch>
+        </p:blipFill>
+        <p:spPr>
+          <a:xfrm>
+            <a:off x="1755042" y="5078535"/>
+            <a:ext cx="5829300" cy="901700"/>
+          </a:xfrm>
+          <a:prstGeom prst="rect">
+            <a:avLst/>
+          </a:prstGeom>
+        </p:spPr>
+      </p:pic>
     </p:spTree>
     <p:extLst>
       <p:ext uri="{BB962C8B-B14F-4D97-AF65-F5344CB8AC3E}">
@@ -5302,6 +6220,13 @@
   <p:clrMapOvr>
     <a:masterClrMapping/>
   </p:clrMapOvr>
+  <p:timing>
+    <p:tnLst>
+      <p:par>
+        <p:cTn xmlns:p14="http://schemas.microsoft.com/office/powerpoint/2010/main" id="1" dur="indefinite" restart="never" nodeType="tmRoot"/>
+      </p:par>
+    </p:tnLst>
+  </p:timing>
 </p:sld>
 </file>
 
@@ -5357,9 +6282,12 @@
         </p:nvSpPr>
         <p:spPr>
           <a:xfrm>
-            <a:off x="457200" y="1120485"/>
-            <a:ext cx="8229600" cy="5560374"/>
+            <a:off x="457200" y="1140023"/>
+            <a:ext cx="8229600" cy="3316103"/>
           </a:xfrm>
+          <a:solidFill>
+            <a:srgbClr val="FFFFFF"/>
+          </a:solidFill>
         </p:spPr>
         <p:txBody>
           <a:bodyPr>
@@ -5401,17 +6329,344 @@
             </a:pPr>
             <a:endParaRPr lang="en-GB" dirty="0" smtClean="0"/>
           </a:p>
-          <a:p>
-            <a:pPr lvl="1"/>
-            <a:r>
-              <a:rPr lang="en-GB" dirty="0" err="1" smtClean="0"/>
-              <a:t>exonic_variant_function</a:t>
-            </a:r>
-            <a:r>
-              <a:rPr lang="en-GB" dirty="0" smtClean="0"/>
-              <a:t> file:</a:t>
-            </a:r>
-            <a:endParaRPr lang="en-GB" dirty="0"/>
+        </p:txBody>
+      </p:sp>
+      <p:pic>
+        <p:nvPicPr>
+          <p:cNvPr id="5" name="Picture 4" descr="Screen Shot 2017-07-21 at 15.26.18.png"/>
+          <p:cNvPicPr>
+            <a:picLocks noChangeAspect="1"/>
+          </p:cNvPicPr>
+          <p:nvPr/>
+        </p:nvPicPr>
+        <p:blipFill>
+          <a:blip r:embed="rId3">
+            <a:extLst>
+              <a:ext uri="{28A0092B-C50C-407E-A947-70E740481C1C}">
+                <a14:useLocalDpi xmlns:a14="http://schemas.microsoft.com/office/drawing/2010/main" val="0"/>
+              </a:ext>
+            </a:extLst>
+          </a:blip>
+          <a:stretch>
+            <a:fillRect/>
+          </a:stretch>
+        </p:blipFill>
+        <p:spPr>
+          <a:xfrm>
+            <a:off x="457200" y="2466546"/>
+            <a:ext cx="8312727" cy="1584356"/>
+          </a:xfrm>
+          <a:prstGeom prst="rect">
+            <a:avLst/>
+          </a:prstGeom>
+        </p:spPr>
+      </p:pic>
+      <p:sp>
+        <p:nvSpPr>
+          <p:cNvPr id="6" name="Rectangle 5"/>
+          <p:cNvSpPr/>
+          <p:nvPr/>
+        </p:nvSpPr>
+        <p:spPr>
+          <a:xfrm>
+            <a:off x="297412" y="4514200"/>
+            <a:ext cx="1113622" cy="709833"/>
+          </a:xfrm>
+          <a:prstGeom prst="rect">
+            <a:avLst/>
+          </a:prstGeom>
+          <a:solidFill>
+            <a:srgbClr val="FFFFFF"/>
+          </a:solidFill>
+          <a:ln>
+            <a:solidFill>
+              <a:srgbClr val="FF0000"/>
+            </a:solidFill>
+          </a:ln>
+          <a:effectLst/>
+        </p:spPr>
+        <p:style>
+          <a:lnRef idx="1">
+            <a:schemeClr val="accent1"/>
+          </a:lnRef>
+          <a:fillRef idx="3">
+            <a:schemeClr val="accent1"/>
+          </a:fillRef>
+          <a:effectRef idx="2">
+            <a:schemeClr val="accent1"/>
+          </a:effectRef>
+          <a:fontRef idx="minor">
+            <a:schemeClr val="lt1"/>
+          </a:fontRef>
+        </p:style>
+        <p:txBody>
+          <a:bodyPr rtlCol="0" anchor="ctr"/>
+          <a:lstStyle/>
+          <a:p>
+            <a:pPr algn="ctr"/>
+            <a:r>
+              <a:rPr lang="en-GB" dirty="0" smtClean="0">
+                <a:solidFill>
+                  <a:srgbClr val="FF0000"/>
+                </a:solidFill>
+              </a:rPr>
+              <a:t>Variant regions</a:t>
+            </a:r>
+            <a:endParaRPr lang="en-GB" dirty="0">
+              <a:solidFill>
+                <a:srgbClr val="FF0000"/>
+              </a:solidFill>
+            </a:endParaRPr>
+          </a:p>
+        </p:txBody>
+      </p:sp>
+      <p:sp>
+        <p:nvSpPr>
+          <p:cNvPr id="7" name="Rectangle 6"/>
+          <p:cNvSpPr/>
+          <p:nvPr/>
+        </p:nvSpPr>
+        <p:spPr>
+          <a:xfrm>
+            <a:off x="1886076" y="4488793"/>
+            <a:ext cx="1934308" cy="916951"/>
+          </a:xfrm>
+          <a:prstGeom prst="rect">
+            <a:avLst/>
+          </a:prstGeom>
+          <a:solidFill>
+            <a:srgbClr val="FFFFFF"/>
+          </a:solidFill>
+          <a:ln>
+            <a:solidFill>
+              <a:srgbClr val="FF0000"/>
+            </a:solidFill>
+          </a:ln>
+          <a:effectLst/>
+        </p:spPr>
+        <p:style>
+          <a:lnRef idx="1">
+            <a:schemeClr val="accent1"/>
+          </a:lnRef>
+          <a:fillRef idx="3">
+            <a:schemeClr val="accent1"/>
+          </a:fillRef>
+          <a:effectRef idx="2">
+            <a:schemeClr val="accent1"/>
+          </a:effectRef>
+          <a:fontRef idx="minor">
+            <a:schemeClr val="lt1"/>
+          </a:fontRef>
+        </p:style>
+        <p:txBody>
+          <a:bodyPr rtlCol="0" anchor="ctr"/>
+          <a:lstStyle/>
+          <a:p>
+            <a:pPr algn="ctr"/>
+            <a:r>
+              <a:rPr lang="en-GB" dirty="0" smtClean="0">
+                <a:solidFill>
+                  <a:srgbClr val="FF0000"/>
+                </a:solidFill>
+              </a:rPr>
+              <a:t>Distant to closest gene or overlapping gene</a:t>
+            </a:r>
+            <a:endParaRPr lang="en-GB" dirty="0">
+              <a:solidFill>
+                <a:srgbClr val="FF0000"/>
+              </a:solidFill>
+            </a:endParaRPr>
+          </a:p>
+        </p:txBody>
+      </p:sp>
+      <p:sp>
+        <p:nvSpPr>
+          <p:cNvPr id="8" name="Rectangle 7"/>
+          <p:cNvSpPr/>
+          <p:nvPr/>
+        </p:nvSpPr>
+        <p:spPr>
+          <a:xfrm>
+            <a:off x="6115972" y="4553276"/>
+            <a:ext cx="1113622" cy="709833"/>
+          </a:xfrm>
+          <a:prstGeom prst="rect">
+            <a:avLst/>
+          </a:prstGeom>
+          <a:solidFill>
+            <a:srgbClr val="FFFFFF"/>
+          </a:solidFill>
+          <a:ln>
+            <a:solidFill>
+              <a:srgbClr val="FF0000"/>
+            </a:solidFill>
+          </a:ln>
+          <a:effectLst/>
+        </p:spPr>
+        <p:style>
+          <a:lnRef idx="1">
+            <a:schemeClr val="accent1"/>
+          </a:lnRef>
+          <a:fillRef idx="3">
+            <a:schemeClr val="accent1"/>
+          </a:fillRef>
+          <a:effectRef idx="2">
+            <a:schemeClr val="accent1"/>
+          </a:effectRef>
+          <a:fontRef idx="minor">
+            <a:schemeClr val="lt1"/>
+          </a:fontRef>
+        </p:style>
+        <p:txBody>
+          <a:bodyPr rtlCol="0" anchor="ctr"/>
+          <a:lstStyle/>
+          <a:p>
+            <a:pPr algn="ctr"/>
+            <a:r>
+              <a:rPr lang="en-GB" dirty="0" smtClean="0">
+                <a:solidFill>
+                  <a:srgbClr val="FF0000"/>
+                </a:solidFill>
+              </a:rPr>
+              <a:t>Variant details</a:t>
+            </a:r>
+            <a:endParaRPr lang="en-GB" dirty="0">
+              <a:solidFill>
+                <a:srgbClr val="FF0000"/>
+              </a:solidFill>
+            </a:endParaRPr>
+          </a:p>
+        </p:txBody>
+      </p:sp>
+      <p:sp>
+        <p:nvSpPr>
+          <p:cNvPr id="10" name="Left Brace 9"/>
+          <p:cNvSpPr/>
+          <p:nvPr/>
+        </p:nvSpPr>
+        <p:spPr>
+          <a:xfrm rot="16200000">
+            <a:off x="6459826" y="2103561"/>
+            <a:ext cx="425916" cy="4473514"/>
+          </a:xfrm>
+          <a:prstGeom prst="leftBrace">
+            <a:avLst/>
+          </a:prstGeom>
+          <a:ln>
+            <a:solidFill>
+              <a:srgbClr val="FF0000"/>
+            </a:solidFill>
+          </a:ln>
+          <a:effectLst/>
+        </p:spPr>
+        <p:style>
+          <a:lnRef idx="2">
+            <a:schemeClr val="accent1"/>
+          </a:lnRef>
+          <a:fillRef idx="0">
+            <a:schemeClr val="accent1"/>
+          </a:fillRef>
+          <a:effectRef idx="1">
+            <a:schemeClr val="accent1"/>
+          </a:effectRef>
+          <a:fontRef idx="minor">
+            <a:schemeClr val="tx1"/>
+          </a:fontRef>
+        </p:style>
+        <p:txBody>
+          <a:bodyPr rtlCol="0" anchor="ctr"/>
+          <a:lstStyle/>
+          <a:p>
+            <a:pPr algn="ctr"/>
+            <a:endParaRPr lang="en-GB"/>
+          </a:p>
+        </p:txBody>
+      </p:sp>
+      <p:sp>
+        <p:nvSpPr>
+          <p:cNvPr id="11" name="Left Brace 10"/>
+          <p:cNvSpPr/>
+          <p:nvPr/>
+        </p:nvSpPr>
+        <p:spPr>
+          <a:xfrm rot="16200000">
+            <a:off x="2667250" y="3072455"/>
+            <a:ext cx="371961" cy="2460623"/>
+          </a:xfrm>
+          <a:prstGeom prst="leftBrace">
+            <a:avLst/>
+          </a:prstGeom>
+          <a:ln>
+            <a:solidFill>
+              <a:srgbClr val="FF0000"/>
+            </a:solidFill>
+          </a:ln>
+          <a:effectLst/>
+        </p:spPr>
+        <p:style>
+          <a:lnRef idx="2">
+            <a:schemeClr val="accent1"/>
+          </a:lnRef>
+          <a:fillRef idx="0">
+            <a:schemeClr val="accent1"/>
+          </a:fillRef>
+          <a:effectRef idx="1">
+            <a:schemeClr val="accent1"/>
+          </a:effectRef>
+          <a:fontRef idx="minor">
+            <a:schemeClr val="tx1"/>
+          </a:fontRef>
+        </p:style>
+        <p:txBody>
+          <a:bodyPr rtlCol="0" anchor="ctr"/>
+          <a:lstStyle/>
+          <a:p>
+            <a:pPr algn="ctr"/>
+            <a:endParaRPr lang="en-GB"/>
+          </a:p>
+        </p:txBody>
+      </p:sp>
+      <p:sp>
+        <p:nvSpPr>
+          <p:cNvPr id="12" name="Left Brace 11"/>
+          <p:cNvSpPr/>
+          <p:nvPr/>
+        </p:nvSpPr>
+        <p:spPr>
+          <a:xfrm rot="16200000">
+            <a:off x="668243" y="3827049"/>
+            <a:ext cx="371962" cy="972588"/>
+          </a:xfrm>
+          <a:prstGeom prst="leftBrace">
+            <a:avLst/>
+          </a:prstGeom>
+          <a:ln>
+            <a:solidFill>
+              <a:srgbClr val="FF0000"/>
+            </a:solidFill>
+          </a:ln>
+          <a:effectLst/>
+        </p:spPr>
+        <p:style>
+          <a:lnRef idx="2">
+            <a:schemeClr val="accent1"/>
+          </a:lnRef>
+          <a:fillRef idx="0">
+            <a:schemeClr val="accent1"/>
+          </a:fillRef>
+          <a:effectRef idx="1">
+            <a:schemeClr val="accent1"/>
+          </a:effectRef>
+          <a:fontRef idx="minor">
+            <a:schemeClr val="tx1"/>
+          </a:fontRef>
+        </p:style>
+        <p:txBody>
+          <a:bodyPr rtlCol="0" anchor="ctr"/>
+          <a:lstStyle/>
+          <a:p>
+            <a:pPr algn="ctr"/>
+            <a:endParaRPr lang="en-GB"/>
           </a:p>
         </p:txBody>
       </p:sp>
@@ -5425,6 +6680,13 @@
   <p:clrMapOvr>
     <a:masterClrMapping/>
   </p:clrMapOvr>
+  <p:timing>
+    <p:tnLst>
+      <p:par>
+        <p:cTn xmlns:p14="http://schemas.microsoft.com/office/powerpoint/2010/main" id="1" dur="indefinite" restart="never" nodeType="tmRoot"/>
+      </p:par>
+    </p:tnLst>
+  </p:timing>
 </p:sld>
 </file>
 
@@ -5445,6 +6707,36 @@
           <a:chExt cx="0" cy="0"/>
         </a:xfrm>
       </p:grpSpPr>
+      <p:pic>
+        <p:nvPicPr>
+          <p:cNvPr id="4" name="Picture 3" descr="Screen Shot 2017-07-21 at 15.25.57.png"/>
+          <p:cNvPicPr>
+            <a:picLocks noChangeAspect="1"/>
+          </p:cNvPicPr>
+          <p:nvPr/>
+        </p:nvPicPr>
+        <p:blipFill>
+          <a:blip r:embed="rId3">
+            <a:extLst>
+              <a:ext uri="{28A0092B-C50C-407E-A947-70E740481C1C}">
+                <a14:useLocalDpi xmlns:a14="http://schemas.microsoft.com/office/drawing/2010/main" val="0"/>
+              </a:ext>
+            </a:extLst>
+          </a:blip>
+          <a:stretch>
+            <a:fillRect/>
+          </a:stretch>
+        </p:blipFill>
+        <p:spPr>
+          <a:xfrm>
+            <a:off x="457200" y="2386217"/>
+            <a:ext cx="12170664" cy="2017290"/>
+          </a:xfrm>
+          <a:prstGeom prst="rect">
+            <a:avLst/>
+          </a:prstGeom>
+        </p:spPr>
+      </p:pic>
       <p:sp>
         <p:nvSpPr>
           <p:cNvPr id="2" name="Title 1"/>
@@ -5462,7 +6754,7 @@
           <a:p>
             <a:r>
               <a:rPr lang="en-GB" dirty="0" smtClean="0"/>
-              <a:t>Exercises</a:t>
+              <a:t>Gene-based annotation</a:t>
             </a:r>
             <a:endParaRPr lang="en-GB" dirty="0"/>
           </a:p>
@@ -5478,89 +6770,489 @@
             <p:ph idx="1"/>
           </p:nvPr>
         </p:nvSpPr>
-        <p:spPr/>
-        <p:txBody>
-          <a:bodyPr/>
-          <a:lstStyle/>
-          <a:p>
-            <a:pPr marL="0" indent="0">
-              <a:buNone/>
-            </a:pPr>
-            <a:endParaRPr lang="en-GB" sz="2600" dirty="0" smtClean="0"/>
-          </a:p>
-          <a:p>
-            <a:r>
-              <a:rPr lang="en-GB" sz="2600" dirty="0" smtClean="0"/>
-              <a:t>Check </a:t>
-            </a:r>
-            <a:r>
-              <a:rPr lang="en-GB" sz="2600" dirty="0"/>
-              <a:t>how many variants/what percentage of variants fall in </a:t>
-            </a:r>
-            <a:r>
-              <a:rPr lang="en-GB" sz="2600" dirty="0" err="1"/>
-              <a:t>intergenic</a:t>
-            </a:r>
-            <a:r>
-              <a:rPr lang="en-GB" sz="2600" dirty="0"/>
-              <a:t> or </a:t>
-            </a:r>
-            <a:r>
-              <a:rPr lang="en-GB" sz="2600" dirty="0" err="1"/>
+        <p:spPr>
+          <a:xfrm>
+            <a:off x="457200" y="1140024"/>
+            <a:ext cx="8229600" cy="1265732"/>
+          </a:xfrm>
+          <a:solidFill>
+            <a:srgbClr val="FFFFFF"/>
+          </a:solidFill>
+        </p:spPr>
+        <p:txBody>
+          <a:bodyPr>
+            <a:normAutofit/>
+          </a:bodyPr>
+          <a:lstStyle/>
+          <a:p>
+            <a:r>
+              <a:rPr lang="en-GB" dirty="0" smtClean="0"/>
+              <a:t>Output:</a:t>
+            </a:r>
+          </a:p>
+          <a:p>
+            <a:pPr lvl="1"/>
+            <a:r>
+              <a:rPr lang="en-GB" dirty="0" err="1" smtClean="0"/>
+              <a:t>exonic_variant_function</a:t>
+            </a:r>
+            <a:r>
+              <a:rPr lang="en-GB" dirty="0" smtClean="0"/>
+              <a:t> </a:t>
+            </a:r>
+            <a:r>
+              <a:rPr lang="en-GB" dirty="0" smtClean="0"/>
+              <a:t>file:</a:t>
+            </a:r>
+            <a:endParaRPr lang="en-GB" dirty="0"/>
+          </a:p>
+        </p:txBody>
+      </p:sp>
+      <p:sp>
+        <p:nvSpPr>
+          <p:cNvPr id="7" name="Rectangle 6"/>
+          <p:cNvSpPr/>
+          <p:nvPr/>
+        </p:nvSpPr>
+        <p:spPr>
+          <a:xfrm>
+            <a:off x="395102" y="4944036"/>
+            <a:ext cx="910154" cy="891544"/>
+          </a:xfrm>
+          <a:prstGeom prst="rect">
+            <a:avLst/>
+          </a:prstGeom>
+          <a:solidFill>
+            <a:srgbClr val="FFFFFF"/>
+          </a:solidFill>
+          <a:ln>
+            <a:solidFill>
+              <a:srgbClr val="FF0000"/>
+            </a:solidFill>
+          </a:ln>
+          <a:effectLst/>
+        </p:spPr>
+        <p:style>
+          <a:lnRef idx="1">
+            <a:schemeClr val="accent1"/>
+          </a:lnRef>
+          <a:fillRef idx="3">
+            <a:schemeClr val="accent1"/>
+          </a:fillRef>
+          <a:effectRef idx="2">
+            <a:schemeClr val="accent1"/>
+          </a:effectRef>
+          <a:fontRef idx="minor">
+            <a:schemeClr val="lt1"/>
+          </a:fontRef>
+        </p:style>
+        <p:txBody>
+          <a:bodyPr rtlCol="0" anchor="ctr"/>
+          <a:lstStyle/>
+          <a:p>
+            <a:pPr algn="ctr"/>
+            <a:r>
+              <a:rPr lang="en-GB" dirty="0" smtClean="0">
+                <a:solidFill>
+                  <a:srgbClr val="FF0000"/>
+                </a:solidFill>
+              </a:rPr>
+              <a:t>Line of input file</a:t>
+            </a:r>
+            <a:endParaRPr lang="en-GB" dirty="0">
+              <a:solidFill>
+                <a:srgbClr val="FF0000"/>
+              </a:solidFill>
+            </a:endParaRPr>
+          </a:p>
+        </p:txBody>
+      </p:sp>
+      <p:sp>
+        <p:nvSpPr>
+          <p:cNvPr id="8" name="Rectangle 7"/>
+          <p:cNvSpPr/>
+          <p:nvPr/>
+        </p:nvSpPr>
+        <p:spPr>
+          <a:xfrm>
+            <a:off x="1430572" y="4977243"/>
+            <a:ext cx="1220539" cy="916951"/>
+          </a:xfrm>
+          <a:prstGeom prst="rect">
+            <a:avLst/>
+          </a:prstGeom>
+          <a:solidFill>
+            <a:srgbClr val="FFFFFF"/>
+          </a:solidFill>
+          <a:ln>
+            <a:solidFill>
+              <a:srgbClr val="FF0000"/>
+            </a:solidFill>
+          </a:ln>
+          <a:effectLst/>
+        </p:spPr>
+        <p:style>
+          <a:lnRef idx="1">
+            <a:schemeClr val="accent1"/>
+          </a:lnRef>
+          <a:fillRef idx="3">
+            <a:schemeClr val="accent1"/>
+          </a:fillRef>
+          <a:effectRef idx="2">
+            <a:schemeClr val="accent1"/>
+          </a:effectRef>
+          <a:fontRef idx="minor">
+            <a:schemeClr val="lt1"/>
+          </a:fontRef>
+        </p:style>
+        <p:txBody>
+          <a:bodyPr rtlCol="0" anchor="ctr"/>
+          <a:lstStyle/>
+          <a:p>
+            <a:pPr algn="ctr"/>
+            <a:r>
+              <a:rPr lang="en-GB" dirty="0" smtClean="0">
+                <a:solidFill>
+                  <a:srgbClr val="FF0000"/>
+                </a:solidFill>
+              </a:rPr>
+              <a:t>Type of </a:t>
+            </a:r>
+            <a:r>
+              <a:rPr lang="en-GB" dirty="0" err="1" smtClean="0">
+                <a:solidFill>
+                  <a:srgbClr val="FF0000"/>
+                </a:solidFill>
+              </a:rPr>
               <a:t>exonic</a:t>
             </a:r>
             <a:r>
-              <a:rPr lang="en-GB" sz="2600" dirty="0"/>
-              <a:t> regions?</a:t>
-            </a:r>
-          </a:p>
-          <a:p>
-            <a:r>
-              <a:rPr lang="en-GB" sz="2600" dirty="0"/>
-              <a:t>What is the most common </a:t>
-            </a:r>
-            <a:r>
-              <a:rPr lang="en-GB" sz="2600" dirty="0" err="1"/>
-              <a:t>exonic</a:t>
-            </a:r>
-            <a:r>
-              <a:rPr lang="en-GB" sz="2600" dirty="0"/>
-              <a:t> variant type?</a:t>
-            </a:r>
-          </a:p>
-          <a:p>
-            <a:r>
-              <a:rPr lang="en-GB" sz="2600" dirty="0" smtClean="0"/>
-              <a:t>Which variants </a:t>
-            </a:r>
-            <a:r>
-              <a:rPr lang="en-GB" sz="2600" dirty="0"/>
-              <a:t>affect your favourite gene (e.g. TP53</a:t>
-            </a:r>
-            <a:r>
-              <a:rPr lang="en-GB" sz="2600" dirty="0" smtClean="0"/>
-              <a:t>)?</a:t>
-            </a:r>
-            <a:endParaRPr lang="en-GB" sz="2600" dirty="0"/>
-          </a:p>
-          <a:p>
-            <a:endParaRPr lang="en-GB" dirty="0" smtClean="0"/>
-          </a:p>
-          <a:p>
-            <a:endParaRPr lang="en-GB" dirty="0"/>
+              <a:rPr lang="en-GB" dirty="0" smtClean="0">
+                <a:solidFill>
+                  <a:srgbClr val="FF0000"/>
+                </a:solidFill>
+              </a:rPr>
+              <a:t> variant</a:t>
+            </a:r>
+            <a:endParaRPr lang="en-GB" dirty="0">
+              <a:solidFill>
+                <a:srgbClr val="FF0000"/>
+              </a:solidFill>
+            </a:endParaRPr>
+          </a:p>
+        </p:txBody>
+      </p:sp>
+      <p:sp>
+        <p:nvSpPr>
+          <p:cNvPr id="9" name="Rectangle 8"/>
+          <p:cNvSpPr/>
+          <p:nvPr/>
+        </p:nvSpPr>
+        <p:spPr>
+          <a:xfrm>
+            <a:off x="3771359" y="4997586"/>
+            <a:ext cx="1386797" cy="837994"/>
+          </a:xfrm>
+          <a:prstGeom prst="rect">
+            <a:avLst/>
+          </a:prstGeom>
+          <a:solidFill>
+            <a:srgbClr val="FFFFFF"/>
+          </a:solidFill>
+          <a:ln>
+            <a:solidFill>
+              <a:srgbClr val="FF0000"/>
+            </a:solidFill>
+          </a:ln>
+          <a:effectLst/>
+        </p:spPr>
+        <p:style>
+          <a:lnRef idx="1">
+            <a:schemeClr val="accent1"/>
+          </a:lnRef>
+          <a:fillRef idx="3">
+            <a:schemeClr val="accent1"/>
+          </a:fillRef>
+          <a:effectRef idx="2">
+            <a:schemeClr val="accent1"/>
+          </a:effectRef>
+          <a:fontRef idx="minor">
+            <a:schemeClr val="lt1"/>
+          </a:fontRef>
+        </p:style>
+        <p:txBody>
+          <a:bodyPr rtlCol="0" anchor="ctr"/>
+          <a:lstStyle/>
+          <a:p>
+            <a:pPr algn="ctr"/>
+            <a:r>
+              <a:rPr lang="en-GB" dirty="0" smtClean="0">
+                <a:solidFill>
+                  <a:srgbClr val="FF0000"/>
+                </a:solidFill>
+              </a:rPr>
+              <a:t>Gene and effect details</a:t>
+            </a:r>
+            <a:endParaRPr lang="en-GB" dirty="0">
+              <a:solidFill>
+                <a:srgbClr val="FF0000"/>
+              </a:solidFill>
+            </a:endParaRPr>
+          </a:p>
+        </p:txBody>
+      </p:sp>
+      <p:sp>
+        <p:nvSpPr>
+          <p:cNvPr id="10" name="Left Brace 9"/>
+          <p:cNvSpPr/>
+          <p:nvPr/>
+        </p:nvSpPr>
+        <p:spPr>
+          <a:xfrm rot="16200000">
+            <a:off x="4251979" y="3451706"/>
+            <a:ext cx="425915" cy="2636896"/>
+          </a:xfrm>
+          <a:prstGeom prst="leftBrace">
+            <a:avLst/>
+          </a:prstGeom>
+          <a:ln>
+            <a:solidFill>
+              <a:srgbClr val="FF0000"/>
+            </a:solidFill>
+          </a:ln>
+          <a:effectLst/>
+        </p:spPr>
+        <p:style>
+          <a:lnRef idx="2">
+            <a:schemeClr val="accent1"/>
+          </a:lnRef>
+          <a:fillRef idx="0">
+            <a:schemeClr val="accent1"/>
+          </a:fillRef>
+          <a:effectRef idx="1">
+            <a:schemeClr val="accent1"/>
+          </a:effectRef>
+          <a:fontRef idx="minor">
+            <a:schemeClr val="tx1"/>
+          </a:fontRef>
+        </p:style>
+        <p:txBody>
+          <a:bodyPr rtlCol="0" anchor="ctr"/>
+          <a:lstStyle/>
+          <a:p>
+            <a:pPr algn="ctr"/>
+            <a:endParaRPr lang="en-GB"/>
+          </a:p>
+        </p:txBody>
+      </p:sp>
+      <p:sp>
+        <p:nvSpPr>
+          <p:cNvPr id="11" name="Left Brace 10"/>
+          <p:cNvSpPr/>
+          <p:nvPr/>
+        </p:nvSpPr>
+        <p:spPr>
+          <a:xfrm rot="16200000">
+            <a:off x="1790691" y="4264653"/>
+            <a:ext cx="436491" cy="1000425"/>
+          </a:xfrm>
+          <a:prstGeom prst="leftBrace">
+            <a:avLst/>
+          </a:prstGeom>
+          <a:ln>
+            <a:solidFill>
+              <a:srgbClr val="FF0000"/>
+            </a:solidFill>
+          </a:ln>
+          <a:effectLst/>
+        </p:spPr>
+        <p:style>
+          <a:lnRef idx="2">
+            <a:schemeClr val="accent1"/>
+          </a:lnRef>
+          <a:fillRef idx="0">
+            <a:schemeClr val="accent1"/>
+          </a:fillRef>
+          <a:effectRef idx="1">
+            <a:schemeClr val="accent1"/>
+          </a:effectRef>
+          <a:fontRef idx="minor">
+            <a:schemeClr val="tx1"/>
+          </a:fontRef>
+        </p:style>
+        <p:txBody>
+          <a:bodyPr rtlCol="0" anchor="ctr"/>
+          <a:lstStyle/>
+          <a:p>
+            <a:pPr algn="ctr"/>
+            <a:endParaRPr lang="en-GB"/>
+          </a:p>
+        </p:txBody>
+      </p:sp>
+      <p:sp>
+        <p:nvSpPr>
+          <p:cNvPr id="12" name="Left Brace 11"/>
+          <p:cNvSpPr/>
+          <p:nvPr/>
+        </p:nvSpPr>
+        <p:spPr>
+          <a:xfrm rot="16200000">
+            <a:off x="668242" y="4389836"/>
+            <a:ext cx="371962" cy="706685"/>
+          </a:xfrm>
+          <a:prstGeom prst="leftBrace">
+            <a:avLst/>
+          </a:prstGeom>
+          <a:ln>
+            <a:solidFill>
+              <a:srgbClr val="FF0000"/>
+            </a:solidFill>
+          </a:ln>
+          <a:effectLst/>
+        </p:spPr>
+        <p:style>
+          <a:lnRef idx="2">
+            <a:schemeClr val="accent1"/>
+          </a:lnRef>
+          <a:fillRef idx="0">
+            <a:schemeClr val="accent1"/>
+          </a:fillRef>
+          <a:effectRef idx="1">
+            <a:schemeClr val="accent1"/>
+          </a:effectRef>
+          <a:fontRef idx="minor">
+            <a:schemeClr val="tx1"/>
+          </a:fontRef>
+        </p:style>
+        <p:txBody>
+          <a:bodyPr rtlCol="0" anchor="ctr"/>
+          <a:lstStyle/>
+          <a:p>
+            <a:pPr algn="ctr"/>
+            <a:endParaRPr lang="en-GB"/>
+          </a:p>
+        </p:txBody>
+      </p:sp>
+      <p:sp>
+        <p:nvSpPr>
+          <p:cNvPr id="13" name="Rectangle 12"/>
+          <p:cNvSpPr/>
+          <p:nvPr/>
+        </p:nvSpPr>
+        <p:spPr>
+          <a:xfrm>
+            <a:off x="6720703" y="5003459"/>
+            <a:ext cx="1302031" cy="700050"/>
+          </a:xfrm>
+          <a:prstGeom prst="rect">
+            <a:avLst/>
+          </a:prstGeom>
+          <a:solidFill>
+            <a:srgbClr val="FFFFFF"/>
+          </a:solidFill>
+          <a:ln>
+            <a:solidFill>
+              <a:srgbClr val="FF0000"/>
+            </a:solidFill>
+          </a:ln>
+          <a:effectLst/>
+        </p:spPr>
+        <p:style>
+          <a:lnRef idx="1">
+            <a:schemeClr val="accent1"/>
+          </a:lnRef>
+          <a:fillRef idx="3">
+            <a:schemeClr val="accent1"/>
+          </a:fillRef>
+          <a:effectRef idx="2">
+            <a:schemeClr val="accent1"/>
+          </a:effectRef>
+          <a:fontRef idx="minor">
+            <a:schemeClr val="lt1"/>
+          </a:fontRef>
+        </p:style>
+        <p:txBody>
+          <a:bodyPr rtlCol="0" anchor="ctr"/>
+          <a:lstStyle/>
+          <a:p>
+            <a:pPr algn="ctr"/>
+            <a:r>
+              <a:rPr lang="en-GB" dirty="0" smtClean="0">
+                <a:solidFill>
+                  <a:srgbClr val="FF0000"/>
+                </a:solidFill>
+              </a:rPr>
+              <a:t>Variant details</a:t>
+            </a:r>
+            <a:endParaRPr lang="en-GB" dirty="0">
+              <a:solidFill>
+                <a:srgbClr val="FF0000"/>
+              </a:solidFill>
+            </a:endParaRPr>
+          </a:p>
+        </p:txBody>
+      </p:sp>
+      <p:sp>
+        <p:nvSpPr>
+          <p:cNvPr id="14" name="Left Brace 13"/>
+          <p:cNvSpPr/>
+          <p:nvPr/>
+        </p:nvSpPr>
+        <p:spPr>
+          <a:xfrm rot="16200000">
+            <a:off x="7154768" y="3370436"/>
+            <a:ext cx="420046" cy="2793567"/>
+          </a:xfrm>
+          <a:prstGeom prst="leftBrace">
+            <a:avLst/>
+          </a:prstGeom>
+          <a:ln>
+            <a:solidFill>
+              <a:srgbClr val="FF0000"/>
+            </a:solidFill>
+          </a:ln>
+          <a:effectLst/>
+        </p:spPr>
+        <p:style>
+          <a:lnRef idx="2">
+            <a:schemeClr val="accent1"/>
+          </a:lnRef>
+          <a:fillRef idx="0">
+            <a:schemeClr val="accent1"/>
+          </a:fillRef>
+          <a:effectRef idx="1">
+            <a:schemeClr val="accent1"/>
+          </a:effectRef>
+          <a:fontRef idx="minor">
+            <a:schemeClr val="tx1"/>
+          </a:fontRef>
+        </p:style>
+        <p:txBody>
+          <a:bodyPr rtlCol="0" anchor="ctr"/>
+          <a:lstStyle/>
+          <a:p>
+            <a:pPr algn="ctr"/>
+            <a:endParaRPr lang="en-GB"/>
           </a:p>
         </p:txBody>
       </p:sp>
     </p:spTree>
     <p:extLst>
       <p:ext uri="{BB962C8B-B14F-4D97-AF65-F5344CB8AC3E}">
-        <p14:creationId xmlns:p14="http://schemas.microsoft.com/office/powerpoint/2010/main" val="254187018"/>
+        <p14:creationId xmlns:p14="http://schemas.microsoft.com/office/powerpoint/2010/main" val="3885525690"/>
       </p:ext>
     </p:extLst>
   </p:cSld>
   <p:clrMapOvr>
     <a:masterClrMapping/>
   </p:clrMapOvr>
+  <p:timing>
+    <p:tnLst>
+      <p:par>
+        <p:cTn xmlns:p14="http://schemas.microsoft.com/office/powerpoint/2010/main" id="1" dur="indefinite" restart="never" nodeType="tmRoot"/>
+      </p:par>
+    </p:tnLst>
+  </p:timing>
 </p:sld>
 </file>
 
@@ -5598,7 +7290,7 @@
           <a:p>
             <a:r>
               <a:rPr lang="en-GB" dirty="0" smtClean="0"/>
-              <a:t>Region-based annotation</a:t>
+              <a:t>Exercises</a:t>
             </a:r>
             <a:endParaRPr lang="en-GB" dirty="0"/>
           </a:p>
@@ -5614,404 +7306,96 @@
             <p:ph idx="1"/>
           </p:nvPr>
         </p:nvSpPr>
-        <p:spPr>
-          <a:xfrm>
-            <a:off x="457200" y="1157158"/>
-            <a:ext cx="8229600" cy="5468484"/>
-          </a:xfrm>
-        </p:spPr>
-        <p:txBody>
-          <a:bodyPr>
-            <a:normAutofit fontScale="92500"/>
-          </a:bodyPr>
-          <a:lstStyle/>
-          <a:p>
-            <a:r>
-              <a:rPr lang="en-GB" dirty="0" smtClean="0"/>
-              <a:t>Uses same script but we need to set two more parameters:</a:t>
-            </a:r>
+        <p:spPr/>
+        <p:txBody>
+          <a:bodyPr/>
+          <a:lstStyle/>
+          <a:p>
+            <a:pPr marL="0" indent="0">
+              <a:buNone/>
+            </a:pPr>
+            <a:endParaRPr lang="en-GB" sz="2600" dirty="0" smtClean="0"/>
+          </a:p>
+          <a:p>
+            <a:r>
+              <a:rPr lang="en-GB" sz="2600" dirty="0" smtClean="0"/>
+              <a:t>Check </a:t>
+            </a:r>
+            <a:r>
+              <a:rPr lang="en-GB" sz="2600" dirty="0"/>
+              <a:t>how many variants/what percentage of variants fall in </a:t>
+            </a:r>
+            <a:r>
+              <a:rPr lang="en-GB" sz="2600" dirty="0" err="1"/>
+              <a:t>intergenic</a:t>
+            </a:r>
+            <a:r>
+              <a:rPr lang="en-GB" sz="2600" dirty="0"/>
+              <a:t> or </a:t>
+            </a:r>
+            <a:r>
+              <a:rPr lang="en-GB" sz="2600" dirty="0" err="1"/>
+              <a:t>exonic</a:t>
+            </a:r>
+            <a:r>
+              <a:rPr lang="en-GB" sz="2600" dirty="0"/>
+              <a:t> regions?</a:t>
+            </a:r>
+          </a:p>
+          <a:p>
+            <a:r>
+              <a:rPr lang="en-GB" sz="2600" dirty="0"/>
+              <a:t>What is the most common </a:t>
+            </a:r>
+            <a:r>
+              <a:rPr lang="en-GB" sz="2600" dirty="0" err="1"/>
+              <a:t>exonic</a:t>
+            </a:r>
+            <a:r>
+              <a:rPr lang="en-GB" sz="2600" dirty="0"/>
+              <a:t> variant type?</a:t>
+            </a:r>
+          </a:p>
+          <a:p>
+            <a:r>
+              <a:rPr lang="en-GB" sz="2600" dirty="0" smtClean="0"/>
+              <a:t>Which variants </a:t>
+            </a:r>
+            <a:r>
+              <a:rPr lang="en-GB" sz="2600" dirty="0"/>
+              <a:t>affect your favourite gene (e.g. TP53</a:t>
+            </a:r>
+            <a:r>
+              <a:rPr lang="en-GB" sz="2600" dirty="0" smtClean="0"/>
+              <a:t>)?</a:t>
+            </a:r>
+            <a:endParaRPr lang="en-GB" sz="2600" dirty="0"/>
+          </a:p>
+          <a:p>
+            <a:endParaRPr lang="en-GB" dirty="0" smtClean="0"/>
           </a:p>
           <a:p>
             <a:endParaRPr lang="en-GB" dirty="0"/>
-          </a:p>
-          <a:p>
-            <a:endParaRPr lang="en-GB" dirty="0" smtClean="0"/>
-          </a:p>
-          <a:p>
-            <a:endParaRPr lang="en-GB" dirty="0"/>
-          </a:p>
-          <a:p>
-            <a:endParaRPr lang="en-GB" dirty="0" smtClean="0"/>
-          </a:p>
-          <a:p>
-            <a:endParaRPr lang="en-GB" dirty="0"/>
-          </a:p>
-          <a:p>
-            <a:r>
-              <a:rPr lang="en-GB" dirty="0" smtClean="0"/>
-              <a:t>Options for region databases, are for example:</a:t>
-            </a:r>
-          </a:p>
-          <a:p>
-            <a:pPr lvl="1"/>
-            <a:r>
-              <a:rPr lang="en-GB" dirty="0" err="1"/>
-              <a:t>c</a:t>
-            </a:r>
-            <a:r>
-              <a:rPr lang="en-GB" dirty="0" err="1" smtClean="0"/>
-              <a:t>ytoband</a:t>
-            </a:r>
-            <a:r>
-              <a:rPr lang="en-GB" dirty="0" smtClean="0"/>
-              <a:t>, </a:t>
-            </a:r>
-            <a:r>
-              <a:rPr lang="en-GB" dirty="0" err="1" smtClean="0"/>
-              <a:t>wgRna</a:t>
-            </a:r>
-            <a:r>
-              <a:rPr lang="en-GB" dirty="0" smtClean="0"/>
-              <a:t>, phastConsElements46way, </a:t>
-            </a:r>
-            <a:r>
-              <a:rPr lang="en-GB" dirty="0" err="1" smtClean="0"/>
-              <a:t>tfbsConsSites</a:t>
-            </a:r>
-            <a:r>
-              <a:rPr lang="en-GB" dirty="0" smtClean="0"/>
-              <a:t>, </a:t>
-            </a:r>
-            <a:r>
-              <a:rPr lang="en-GB" dirty="0" err="1" smtClean="0"/>
-              <a:t>gwasCatalog</a:t>
-            </a:r>
-            <a:r>
-              <a:rPr lang="en-GB" dirty="0" smtClean="0"/>
-              <a:t>, </a:t>
-            </a:r>
-            <a:r>
-              <a:rPr lang="en-GB" dirty="0" err="1" smtClean="0"/>
-              <a:t>dgvMerged</a:t>
-            </a:r>
-            <a:r>
-              <a:rPr lang="en-GB" dirty="0" smtClean="0"/>
-              <a:t>, </a:t>
-            </a:r>
-            <a:r>
-              <a:rPr lang="en-GB" dirty="0" err="1" smtClean="0"/>
-              <a:t>genomicSuperDups</a:t>
-            </a:r>
-            <a:endParaRPr lang="en-GB" dirty="0" smtClean="0"/>
-          </a:p>
-          <a:p>
-            <a:pPr lvl="1"/>
-            <a:r>
-              <a:rPr lang="en-GB" dirty="0" smtClean="0"/>
-              <a:t>See also</a:t>
-            </a:r>
-            <a:r>
-              <a:rPr lang="en-GB" dirty="0"/>
-              <a:t>: </a:t>
-            </a:r>
-            <a:r>
-              <a:rPr lang="en-GB" sz="2200" dirty="0">
-                <a:hlinkClick r:id="rId2"/>
-              </a:rPr>
-              <a:t>http://annovar.openbioinformatics.org/en/latest/user-guide/</a:t>
-            </a:r>
-            <a:r>
-              <a:rPr lang="en-GB" sz="2200" dirty="0" smtClean="0">
-                <a:hlinkClick r:id="rId2"/>
-              </a:rPr>
-              <a:t>region/</a:t>
-            </a:r>
-            <a:r>
-              <a:rPr lang="en-GB" sz="2200" dirty="0" smtClean="0"/>
-              <a:t> </a:t>
-            </a:r>
-            <a:endParaRPr lang="en-GB" sz="2200" dirty="0"/>
-          </a:p>
-        </p:txBody>
-      </p:sp>
-      <p:sp>
-        <p:nvSpPr>
-          <p:cNvPr id="4" name="TextBox 3"/>
-          <p:cNvSpPr txBox="1"/>
-          <p:nvPr/>
-        </p:nvSpPr>
-        <p:spPr>
-          <a:xfrm>
-            <a:off x="1956618" y="2190112"/>
-            <a:ext cx="5230764" cy="2123658"/>
-          </a:xfrm>
-          <a:prstGeom prst="rect">
-            <a:avLst/>
-          </a:prstGeom>
-          <a:noFill/>
-          <a:ln>
-            <a:solidFill>
-              <a:schemeClr val="bg1">
-                <a:lumMod val="50000"/>
-              </a:schemeClr>
-            </a:solidFill>
-          </a:ln>
-        </p:spPr>
-        <p:txBody>
-          <a:bodyPr wrap="square" rtlCol="0">
-            <a:spAutoFit/>
-          </a:bodyPr>
-          <a:lstStyle/>
-          <a:p>
-            <a:r>
-              <a:rPr lang="en-GB" sz="2200" dirty="0">
-                <a:solidFill>
-                  <a:schemeClr val="bg1">
-                    <a:lumMod val="50000"/>
-                  </a:schemeClr>
-                </a:solidFill>
-              </a:rPr>
-              <a:t>$ software/</a:t>
-            </a:r>
-            <a:r>
-              <a:rPr lang="en-GB" sz="2200" dirty="0" err="1">
-                <a:solidFill>
-                  <a:schemeClr val="bg1">
-                    <a:lumMod val="50000"/>
-                  </a:schemeClr>
-                </a:solidFill>
-              </a:rPr>
-              <a:t>annovar</a:t>
-            </a:r>
-            <a:r>
-              <a:rPr lang="en-GB" sz="2200" dirty="0">
-                <a:solidFill>
-                  <a:schemeClr val="bg1">
-                    <a:lumMod val="50000"/>
-                  </a:schemeClr>
-                </a:solidFill>
-              </a:rPr>
-              <a:t>/</a:t>
-            </a:r>
-            <a:r>
-              <a:rPr lang="en-GB" sz="2200" dirty="0" err="1">
-                <a:solidFill>
-                  <a:schemeClr val="bg1">
-                    <a:lumMod val="50000"/>
-                  </a:schemeClr>
-                </a:solidFill>
-              </a:rPr>
-              <a:t>annotate_variation.pl</a:t>
-            </a:r>
-            <a:r>
-              <a:rPr lang="en-GB" sz="2200" dirty="0">
-                <a:solidFill>
-                  <a:schemeClr val="bg1">
-                    <a:lumMod val="50000"/>
-                  </a:schemeClr>
-                </a:solidFill>
-              </a:rPr>
-              <a:t> \</a:t>
-            </a:r>
-          </a:p>
-          <a:p>
-            <a:r>
-              <a:rPr lang="en-GB" sz="2200" dirty="0">
-                <a:solidFill>
-                  <a:schemeClr val="bg1">
-                    <a:lumMod val="50000"/>
-                  </a:schemeClr>
-                </a:solidFill>
-              </a:rPr>
-              <a:t>	</a:t>
-            </a:r>
-            <a:r>
-              <a:rPr lang="en-GB" sz="2200" dirty="0">
-                <a:solidFill>
-                  <a:srgbClr val="1100C5"/>
-                </a:solidFill>
-              </a:rPr>
-              <a:t>-</a:t>
-            </a:r>
-            <a:r>
-              <a:rPr lang="en-GB" sz="2200" dirty="0" err="1">
-                <a:solidFill>
-                  <a:srgbClr val="1100C5"/>
-                </a:solidFill>
-              </a:rPr>
-              <a:t>regionanno</a:t>
-            </a:r>
-            <a:r>
-              <a:rPr lang="en-GB" sz="2200" dirty="0">
-                <a:solidFill>
-                  <a:srgbClr val="1100C5"/>
-                </a:solidFill>
-              </a:rPr>
-              <a:t> \</a:t>
-            </a:r>
-          </a:p>
-          <a:p>
-            <a:r>
-              <a:rPr lang="en-GB" sz="2200" dirty="0">
-                <a:solidFill>
-                  <a:schemeClr val="bg1">
-                    <a:lumMod val="50000"/>
-                  </a:schemeClr>
-                </a:solidFill>
-              </a:rPr>
-              <a:t>	-build hg19 \</a:t>
-            </a:r>
-          </a:p>
-          <a:p>
-            <a:r>
-              <a:rPr lang="en-GB" sz="2200" dirty="0">
-                <a:solidFill>
-                  <a:schemeClr val="bg1">
-                    <a:lumMod val="50000"/>
-                  </a:schemeClr>
-                </a:solidFill>
-              </a:rPr>
-              <a:t>	</a:t>
-            </a:r>
-            <a:r>
-              <a:rPr lang="en-GB" sz="2200" dirty="0">
-                <a:solidFill>
-                  <a:srgbClr val="1100C5"/>
-                </a:solidFill>
-              </a:rPr>
-              <a:t>-</a:t>
-            </a:r>
-            <a:r>
-              <a:rPr lang="en-GB" sz="2200" dirty="0" err="1">
-                <a:solidFill>
-                  <a:srgbClr val="1100C5"/>
-                </a:solidFill>
-              </a:rPr>
-              <a:t>dbtype</a:t>
-            </a:r>
-            <a:r>
-              <a:rPr lang="en-GB" sz="2200" dirty="0">
-                <a:solidFill>
-                  <a:srgbClr val="1100C5"/>
-                </a:solidFill>
-              </a:rPr>
-              <a:t> </a:t>
-            </a:r>
-            <a:r>
-              <a:rPr lang="en-GB" sz="2200" dirty="0" err="1" smtClean="0">
-                <a:solidFill>
-                  <a:srgbClr val="1100C5"/>
-                </a:solidFill>
-              </a:rPr>
-              <a:t>region_dbname</a:t>
-            </a:r>
-            <a:r>
-              <a:rPr lang="en-GB" sz="2200" dirty="0" smtClean="0">
-                <a:solidFill>
-                  <a:srgbClr val="1100C5"/>
-                </a:solidFill>
-              </a:rPr>
-              <a:t> \</a:t>
-            </a:r>
-            <a:r>
-              <a:rPr lang="en-GB" sz="2200" dirty="0">
-                <a:solidFill>
-                  <a:schemeClr val="bg1">
-                    <a:lumMod val="50000"/>
-                  </a:schemeClr>
-                </a:solidFill>
-              </a:rPr>
-              <a:t>	</a:t>
-            </a:r>
-            <a:r>
-              <a:rPr lang="en-GB" sz="2200" dirty="0" err="1" smtClean="0">
-                <a:solidFill>
-                  <a:schemeClr val="bg1">
-                    <a:lumMod val="50000"/>
-                  </a:schemeClr>
-                </a:solidFill>
-              </a:rPr>
-              <a:t>path_to_your_annovar_file</a:t>
-            </a:r>
-            <a:r>
-              <a:rPr lang="en-GB" sz="2200" dirty="0" err="1">
-                <a:solidFill>
-                  <a:schemeClr val="bg1">
-                    <a:lumMod val="50000"/>
-                  </a:schemeClr>
-                </a:solidFill>
-              </a:rPr>
-              <a:t>.avinput</a:t>
-            </a:r>
-            <a:r>
-              <a:rPr lang="en-GB" sz="2200" dirty="0" smtClean="0">
-                <a:solidFill>
-                  <a:schemeClr val="bg1">
-                    <a:lumMod val="50000"/>
-                  </a:schemeClr>
-                </a:solidFill>
-              </a:rPr>
-              <a:t> \</a:t>
-            </a:r>
-            <a:endParaRPr lang="en-GB" sz="2200" dirty="0">
-              <a:solidFill>
-                <a:schemeClr val="bg1">
-                  <a:lumMod val="50000"/>
-                </a:schemeClr>
-              </a:solidFill>
-            </a:endParaRPr>
-          </a:p>
-          <a:p>
-            <a:r>
-              <a:rPr lang="en-GB" sz="2200" dirty="0">
-                <a:solidFill>
-                  <a:schemeClr val="bg1">
-                    <a:lumMod val="50000"/>
-                  </a:schemeClr>
-                </a:solidFill>
-              </a:rPr>
-              <a:t>	</a:t>
-            </a:r>
-            <a:r>
-              <a:rPr lang="en-GB" sz="2200" dirty="0" err="1" smtClean="0">
-                <a:solidFill>
-                  <a:schemeClr val="bg1">
-                    <a:lumMod val="50000"/>
-                  </a:schemeClr>
-                </a:solidFill>
-              </a:rPr>
-              <a:t>path_to_your_db_folder</a:t>
-            </a:r>
-            <a:r>
-              <a:rPr lang="en-GB" sz="2200" dirty="0" smtClean="0">
-                <a:solidFill>
-                  <a:schemeClr val="bg1">
-                    <a:lumMod val="50000"/>
-                  </a:schemeClr>
-                </a:solidFill>
-              </a:rPr>
-              <a:t>;</a:t>
-            </a:r>
-            <a:endParaRPr lang="en-GB" sz="2200" dirty="0">
-              <a:solidFill>
-                <a:schemeClr val="bg1">
-                  <a:lumMod val="50000"/>
-                </a:schemeClr>
-              </a:solidFill>
-            </a:endParaRPr>
           </a:p>
         </p:txBody>
       </p:sp>
     </p:spTree>
     <p:extLst>
       <p:ext uri="{BB962C8B-B14F-4D97-AF65-F5344CB8AC3E}">
-        <p14:creationId xmlns:p14="http://schemas.microsoft.com/office/powerpoint/2010/main" val="1736098974"/>
+        <p14:creationId xmlns:p14="http://schemas.microsoft.com/office/powerpoint/2010/main" val="254187018"/>
       </p:ext>
     </p:extLst>
   </p:cSld>
   <p:clrMapOvr>
     <a:masterClrMapping/>
   </p:clrMapOvr>
+  <p:timing>
+    <p:tnLst>
+      <p:par>
+        <p:cTn xmlns:p14="http://schemas.microsoft.com/office/powerpoint/2010/main" id="1" dur="indefinite" restart="never" nodeType="tmRoot"/>
+      </p:par>
+    </p:tnLst>
+  </p:timing>
 </p:sld>
 </file>
 
@@ -6049,7 +7433,7 @@
           <a:p>
             <a:r>
               <a:rPr lang="en-GB" dirty="0" smtClean="0"/>
-              <a:t>Exercises</a:t>
+              <a:t>Region-based annotation</a:t>
             </a:r>
             <a:endParaRPr lang="en-GB" dirty="0"/>
           </a:p>
@@ -6065,25 +7449,403 @@
             <p:ph idx="1"/>
           </p:nvPr>
         </p:nvSpPr>
-        <p:spPr/>
-        <p:txBody>
-          <a:bodyPr/>
-          <a:lstStyle/>
-          <a:p>
-            <a:endParaRPr lang="en-GB"/>
+        <p:spPr>
+          <a:xfrm>
+            <a:off x="457200" y="1157158"/>
+            <a:ext cx="8229600" cy="5468484"/>
+          </a:xfrm>
+        </p:spPr>
+        <p:txBody>
+          <a:bodyPr>
+            <a:normAutofit lnSpcReduction="10000"/>
+          </a:bodyPr>
+          <a:lstStyle/>
+          <a:p>
+            <a:r>
+              <a:rPr lang="en-GB" dirty="0" smtClean="0"/>
+              <a:t>Uses same script but we need to set two more parameters:</a:t>
+            </a:r>
+          </a:p>
+          <a:p>
+            <a:endParaRPr lang="en-GB" dirty="0"/>
+          </a:p>
+          <a:p>
+            <a:endParaRPr lang="en-GB" dirty="0" smtClean="0"/>
+          </a:p>
+          <a:p>
+            <a:endParaRPr lang="en-GB" dirty="0"/>
+          </a:p>
+          <a:p>
+            <a:endParaRPr lang="en-GB" dirty="0" smtClean="0"/>
+          </a:p>
+          <a:p>
+            <a:endParaRPr lang="en-GB" dirty="0"/>
+          </a:p>
+          <a:p>
+            <a:r>
+              <a:rPr lang="en-GB" dirty="0" smtClean="0"/>
+              <a:t>Options for region databases, are for example:</a:t>
+            </a:r>
+          </a:p>
+          <a:p>
+            <a:pPr lvl="1"/>
+            <a:r>
+              <a:rPr lang="en-GB" dirty="0" err="1"/>
+              <a:t>c</a:t>
+            </a:r>
+            <a:r>
+              <a:rPr lang="en-GB" dirty="0" err="1" smtClean="0"/>
+              <a:t>ytoband</a:t>
+            </a:r>
+            <a:r>
+              <a:rPr lang="en-GB" dirty="0" smtClean="0"/>
+              <a:t>, </a:t>
+            </a:r>
+            <a:r>
+              <a:rPr lang="en-GB" dirty="0" err="1" smtClean="0"/>
+              <a:t>wgRna</a:t>
+            </a:r>
+            <a:r>
+              <a:rPr lang="en-GB" dirty="0" smtClean="0"/>
+              <a:t>, phastConsElements46way, </a:t>
+            </a:r>
+            <a:r>
+              <a:rPr lang="en-GB" dirty="0" err="1" smtClean="0"/>
+              <a:t>tfbsConsSites</a:t>
+            </a:r>
+            <a:r>
+              <a:rPr lang="en-GB" dirty="0" smtClean="0"/>
+              <a:t>, </a:t>
+            </a:r>
+            <a:r>
+              <a:rPr lang="en-GB" dirty="0" err="1" smtClean="0"/>
+              <a:t>gwasCatalog</a:t>
+            </a:r>
+            <a:r>
+              <a:rPr lang="en-GB" dirty="0" smtClean="0"/>
+              <a:t>, </a:t>
+            </a:r>
+            <a:r>
+              <a:rPr lang="en-GB" dirty="0" err="1" smtClean="0"/>
+              <a:t>genomicSuperDups</a:t>
+            </a:r>
+            <a:endParaRPr lang="en-GB" dirty="0" smtClean="0"/>
+          </a:p>
+          <a:p>
+            <a:pPr lvl="1"/>
+            <a:r>
+              <a:rPr lang="en-GB" dirty="0" smtClean="0"/>
+              <a:t>See also</a:t>
+            </a:r>
+            <a:r>
+              <a:rPr lang="en-GB" dirty="0"/>
+              <a:t>: </a:t>
+            </a:r>
+            <a:r>
+              <a:rPr lang="en-GB" sz="2200" dirty="0">
+                <a:hlinkClick r:id="rId3"/>
+              </a:rPr>
+              <a:t>http://annovar.openbioinformatics.org/en/latest/user-guide/</a:t>
+            </a:r>
+            <a:r>
+              <a:rPr lang="en-GB" sz="2200" dirty="0" smtClean="0">
+                <a:hlinkClick r:id="rId3"/>
+              </a:rPr>
+              <a:t>region/</a:t>
+            </a:r>
+            <a:r>
+              <a:rPr lang="en-GB" sz="2200" dirty="0" smtClean="0"/>
+              <a:t> </a:t>
+            </a:r>
+            <a:endParaRPr lang="en-GB" sz="2200" dirty="0"/>
+          </a:p>
+        </p:txBody>
+      </p:sp>
+      <p:sp>
+        <p:nvSpPr>
+          <p:cNvPr id="4" name="TextBox 3"/>
+          <p:cNvSpPr txBox="1"/>
+          <p:nvPr/>
+        </p:nvSpPr>
+        <p:spPr>
+          <a:xfrm>
+            <a:off x="1956618" y="2190112"/>
+            <a:ext cx="5230764" cy="2123658"/>
+          </a:xfrm>
+          <a:prstGeom prst="rect">
+            <a:avLst/>
+          </a:prstGeom>
+          <a:noFill/>
+          <a:ln>
+            <a:solidFill>
+              <a:schemeClr val="bg1">
+                <a:lumMod val="50000"/>
+              </a:schemeClr>
+            </a:solidFill>
+          </a:ln>
+        </p:spPr>
+        <p:txBody>
+          <a:bodyPr wrap="square" rtlCol="0">
+            <a:spAutoFit/>
+          </a:bodyPr>
+          <a:lstStyle/>
+          <a:p>
+            <a:r>
+              <a:rPr lang="en-GB" sz="2200" dirty="0">
+                <a:solidFill>
+                  <a:schemeClr val="bg1">
+                    <a:lumMod val="50000"/>
+                  </a:schemeClr>
+                </a:solidFill>
+              </a:rPr>
+              <a:t>$ software/</a:t>
+            </a:r>
+            <a:r>
+              <a:rPr lang="en-GB" sz="2200" dirty="0" err="1">
+                <a:solidFill>
+                  <a:schemeClr val="bg1">
+                    <a:lumMod val="50000"/>
+                  </a:schemeClr>
+                </a:solidFill>
+              </a:rPr>
+              <a:t>annovar</a:t>
+            </a:r>
+            <a:r>
+              <a:rPr lang="en-GB" sz="2200" dirty="0">
+                <a:solidFill>
+                  <a:schemeClr val="bg1">
+                    <a:lumMod val="50000"/>
+                  </a:schemeClr>
+                </a:solidFill>
+              </a:rPr>
+              <a:t>/</a:t>
+            </a:r>
+            <a:r>
+              <a:rPr lang="en-GB" sz="2200" dirty="0" err="1">
+                <a:solidFill>
+                  <a:schemeClr val="bg1">
+                    <a:lumMod val="50000"/>
+                  </a:schemeClr>
+                </a:solidFill>
+              </a:rPr>
+              <a:t>annotate_variation.pl</a:t>
+            </a:r>
+            <a:r>
+              <a:rPr lang="en-GB" sz="2200" dirty="0">
+                <a:solidFill>
+                  <a:schemeClr val="bg1">
+                    <a:lumMod val="50000"/>
+                  </a:schemeClr>
+                </a:solidFill>
+              </a:rPr>
+              <a:t> \</a:t>
+            </a:r>
+          </a:p>
+          <a:p>
+            <a:r>
+              <a:rPr lang="en-GB" sz="2200" dirty="0">
+                <a:solidFill>
+                  <a:schemeClr val="bg1">
+                    <a:lumMod val="50000"/>
+                  </a:schemeClr>
+                </a:solidFill>
+              </a:rPr>
+              <a:t>	</a:t>
+            </a:r>
+            <a:r>
+              <a:rPr lang="en-GB" sz="2200" dirty="0">
+                <a:solidFill>
+                  <a:srgbClr val="1100C5"/>
+                </a:solidFill>
+              </a:rPr>
+              <a:t>-</a:t>
+            </a:r>
+            <a:r>
+              <a:rPr lang="en-GB" sz="2200" dirty="0" err="1">
+                <a:solidFill>
+                  <a:srgbClr val="1100C5"/>
+                </a:solidFill>
+              </a:rPr>
+              <a:t>regionanno</a:t>
+            </a:r>
+            <a:r>
+              <a:rPr lang="en-GB" sz="2200" dirty="0">
+                <a:solidFill>
+                  <a:srgbClr val="1100C5"/>
+                </a:solidFill>
+              </a:rPr>
+              <a:t> \</a:t>
+            </a:r>
+          </a:p>
+          <a:p>
+            <a:r>
+              <a:rPr lang="en-GB" sz="2200" dirty="0">
+                <a:solidFill>
+                  <a:schemeClr val="bg1">
+                    <a:lumMod val="50000"/>
+                  </a:schemeClr>
+                </a:solidFill>
+              </a:rPr>
+              <a:t>	-build hg19 \</a:t>
+            </a:r>
+          </a:p>
+          <a:p>
+            <a:r>
+              <a:rPr lang="en-GB" sz="2200" dirty="0">
+                <a:solidFill>
+                  <a:schemeClr val="bg1">
+                    <a:lumMod val="50000"/>
+                  </a:schemeClr>
+                </a:solidFill>
+              </a:rPr>
+              <a:t>	</a:t>
+            </a:r>
+            <a:r>
+              <a:rPr lang="en-GB" sz="2200" dirty="0">
+                <a:solidFill>
+                  <a:srgbClr val="1100C5"/>
+                </a:solidFill>
+              </a:rPr>
+              <a:t>-</a:t>
+            </a:r>
+            <a:r>
+              <a:rPr lang="en-GB" sz="2200" dirty="0" err="1">
+                <a:solidFill>
+                  <a:srgbClr val="1100C5"/>
+                </a:solidFill>
+              </a:rPr>
+              <a:t>dbtype</a:t>
+            </a:r>
+            <a:r>
+              <a:rPr lang="en-GB" sz="2200" dirty="0">
+                <a:solidFill>
+                  <a:srgbClr val="1100C5"/>
+                </a:solidFill>
+              </a:rPr>
+              <a:t> </a:t>
+            </a:r>
+            <a:r>
+              <a:rPr lang="en-GB" sz="2200" dirty="0" err="1" smtClean="0">
+                <a:solidFill>
+                  <a:srgbClr val="1100C5"/>
+                </a:solidFill>
+              </a:rPr>
+              <a:t>region_dbname</a:t>
+            </a:r>
+            <a:r>
+              <a:rPr lang="en-GB" sz="2200" dirty="0" smtClean="0">
+                <a:solidFill>
+                  <a:srgbClr val="1100C5"/>
+                </a:solidFill>
+              </a:rPr>
+              <a:t> \</a:t>
+            </a:r>
+            <a:r>
+              <a:rPr lang="en-GB" sz="2200" dirty="0">
+                <a:solidFill>
+                  <a:schemeClr val="bg1">
+                    <a:lumMod val="50000"/>
+                  </a:schemeClr>
+                </a:solidFill>
+              </a:rPr>
+              <a:t>	</a:t>
+            </a:r>
+            <a:r>
+              <a:rPr lang="en-GB" sz="2200" dirty="0" err="1" smtClean="0">
+                <a:solidFill>
+                  <a:schemeClr val="bg1">
+                    <a:lumMod val="50000"/>
+                  </a:schemeClr>
+                </a:solidFill>
+              </a:rPr>
+              <a:t>path_to_your_annovar_file</a:t>
+            </a:r>
+            <a:r>
+              <a:rPr lang="en-GB" sz="2200" dirty="0" err="1">
+                <a:solidFill>
+                  <a:schemeClr val="bg1">
+                    <a:lumMod val="50000"/>
+                  </a:schemeClr>
+                </a:solidFill>
+              </a:rPr>
+              <a:t>.avinput</a:t>
+            </a:r>
+            <a:r>
+              <a:rPr lang="en-GB" sz="2200" dirty="0" smtClean="0">
+                <a:solidFill>
+                  <a:schemeClr val="bg1">
+                    <a:lumMod val="50000"/>
+                  </a:schemeClr>
+                </a:solidFill>
+              </a:rPr>
+              <a:t> \</a:t>
+            </a:r>
+            <a:endParaRPr lang="en-GB" sz="2200" dirty="0">
+              <a:solidFill>
+                <a:schemeClr val="bg1">
+                  <a:lumMod val="50000"/>
+                </a:schemeClr>
+              </a:solidFill>
+            </a:endParaRPr>
+          </a:p>
+          <a:p>
+            <a:r>
+              <a:rPr lang="en-GB" sz="2200" dirty="0">
+                <a:solidFill>
+                  <a:schemeClr val="bg1">
+                    <a:lumMod val="50000"/>
+                  </a:schemeClr>
+                </a:solidFill>
+              </a:rPr>
+              <a:t>	</a:t>
+            </a:r>
+            <a:r>
+              <a:rPr lang="en-GB" sz="2200" dirty="0" err="1" smtClean="0">
+                <a:solidFill>
+                  <a:schemeClr val="bg1">
+                    <a:lumMod val="50000"/>
+                  </a:schemeClr>
+                </a:solidFill>
+              </a:rPr>
+              <a:t>path_to_your_db_folder</a:t>
+            </a:r>
+            <a:r>
+              <a:rPr lang="en-GB" sz="2200" dirty="0" smtClean="0">
+                <a:solidFill>
+                  <a:schemeClr val="bg1">
+                    <a:lumMod val="50000"/>
+                  </a:schemeClr>
+                </a:solidFill>
+              </a:rPr>
+              <a:t>;</a:t>
+            </a:r>
+            <a:endParaRPr lang="en-GB" sz="2200" dirty="0">
+              <a:solidFill>
+                <a:schemeClr val="bg1">
+                  <a:lumMod val="50000"/>
+                </a:schemeClr>
+              </a:solidFill>
+            </a:endParaRPr>
           </a:p>
         </p:txBody>
       </p:sp>
     </p:spTree>
     <p:extLst>
       <p:ext uri="{BB962C8B-B14F-4D97-AF65-F5344CB8AC3E}">
-        <p14:creationId xmlns:p14="http://schemas.microsoft.com/office/powerpoint/2010/main" val="815591146"/>
+        <p14:creationId xmlns:p14="http://schemas.microsoft.com/office/powerpoint/2010/main" val="1736098974"/>
       </p:ext>
     </p:extLst>
   </p:cSld>
   <p:clrMapOvr>
     <a:masterClrMapping/>
   </p:clrMapOvr>
+  <p:timing>
+    <p:tnLst>
+      <p:par>
+        <p:cTn xmlns:p14="http://schemas.microsoft.com/office/powerpoint/2010/main" id="1" dur="indefinite" restart="never" nodeType="tmRoot"/>
+      </p:par>
+    </p:tnLst>
+  </p:timing>
 </p:sld>
 </file>
 
@@ -6121,7 +7883,7 @@
           <a:p>
             <a:r>
               <a:rPr lang="en-GB" dirty="0" smtClean="0"/>
-              <a:t>Filter-based annotation</a:t>
+              <a:t>Exercises</a:t>
             </a:r>
             <a:endParaRPr lang="en-GB" dirty="0"/>
           </a:p>
@@ -6137,292 +7899,39 @@
             <p:ph idx="1"/>
           </p:nvPr>
         </p:nvSpPr>
-        <p:spPr>
-          <a:xfrm>
-            <a:off x="457200" y="1083675"/>
-            <a:ext cx="8229600" cy="4840034"/>
-          </a:xfrm>
-        </p:spPr>
+        <p:spPr/>
         <p:txBody>
           <a:bodyPr/>
           <a:lstStyle/>
           <a:p>
             <a:r>
-              <a:rPr lang="en-GB" dirty="0"/>
-              <a:t>Uses same script but we need to </a:t>
-            </a:r>
-            <a:r>
               <a:rPr lang="en-GB" dirty="0" smtClean="0"/>
-              <a:t>change two parameters:</a:t>
+              <a:t>Is there a transcription factor whose binding sites are often hit by mutations?</a:t>
+            </a:r>
+          </a:p>
+          <a:p>
+            <a:r>
+              <a:rPr lang="en-GB" dirty="0" smtClean="0"/>
+              <a:t>Has any of the variants been found </a:t>
+            </a:r>
+            <a:r>
+              <a:rPr lang="en-GB" dirty="0" smtClean="0"/>
+              <a:t>as being associated with the cancer?</a:t>
+            </a:r>
+          </a:p>
+          <a:p>
+            <a:r>
+              <a:rPr lang="en-GB" dirty="0" smtClean="0"/>
+              <a:t>How many variant should we treat we caution because they fall into segmental duplications?</a:t>
             </a:r>
             <a:endParaRPr lang="en-GB" dirty="0"/>
-          </a:p>
-        </p:txBody>
-      </p:sp>
-      <p:sp>
-        <p:nvSpPr>
-          <p:cNvPr id="4" name="TextBox 3"/>
-          <p:cNvSpPr txBox="1"/>
-          <p:nvPr/>
-        </p:nvSpPr>
-        <p:spPr>
-          <a:xfrm>
-            <a:off x="1956618" y="2079682"/>
-            <a:ext cx="5230764" cy="2123658"/>
-          </a:xfrm>
-          <a:prstGeom prst="rect">
-            <a:avLst/>
-          </a:prstGeom>
-          <a:noFill/>
-          <a:ln>
-            <a:solidFill>
-              <a:schemeClr val="bg1">
-                <a:lumMod val="50000"/>
-              </a:schemeClr>
-            </a:solidFill>
-          </a:ln>
-        </p:spPr>
-        <p:txBody>
-          <a:bodyPr wrap="square" rtlCol="0">
-            <a:spAutoFit/>
-          </a:bodyPr>
-          <a:lstStyle/>
-          <a:p>
-            <a:r>
-              <a:rPr lang="en-GB" sz="2200" dirty="0">
-                <a:solidFill>
-                  <a:schemeClr val="bg1">
-                    <a:lumMod val="50000"/>
-                  </a:schemeClr>
-                </a:solidFill>
-              </a:rPr>
-              <a:t>$ software/</a:t>
-            </a:r>
-            <a:r>
-              <a:rPr lang="en-GB" sz="2200" dirty="0" err="1">
-                <a:solidFill>
-                  <a:schemeClr val="bg1">
-                    <a:lumMod val="50000"/>
-                  </a:schemeClr>
-                </a:solidFill>
-              </a:rPr>
-              <a:t>annovar</a:t>
-            </a:r>
-            <a:r>
-              <a:rPr lang="en-GB" sz="2200" dirty="0">
-                <a:solidFill>
-                  <a:schemeClr val="bg1">
-                    <a:lumMod val="50000"/>
-                  </a:schemeClr>
-                </a:solidFill>
-              </a:rPr>
-              <a:t>/</a:t>
-            </a:r>
-            <a:r>
-              <a:rPr lang="en-GB" sz="2200" dirty="0" err="1">
-                <a:solidFill>
-                  <a:schemeClr val="bg1">
-                    <a:lumMod val="50000"/>
-                  </a:schemeClr>
-                </a:solidFill>
-              </a:rPr>
-              <a:t>annotate_variation.pl</a:t>
-            </a:r>
-            <a:r>
-              <a:rPr lang="en-GB" sz="2200" dirty="0">
-                <a:solidFill>
-                  <a:schemeClr val="bg1">
-                    <a:lumMod val="50000"/>
-                  </a:schemeClr>
-                </a:solidFill>
-              </a:rPr>
-              <a:t> \</a:t>
-            </a:r>
-          </a:p>
-          <a:p>
-            <a:r>
-              <a:rPr lang="en-GB" sz="2200" dirty="0">
-                <a:solidFill>
-                  <a:schemeClr val="bg1">
-                    <a:lumMod val="50000"/>
-                  </a:schemeClr>
-                </a:solidFill>
-              </a:rPr>
-              <a:t>	</a:t>
-            </a:r>
-            <a:r>
-              <a:rPr lang="en-GB" sz="2200" dirty="0" smtClean="0">
-                <a:solidFill>
-                  <a:srgbClr val="1100C5"/>
-                </a:solidFill>
-              </a:rPr>
-              <a:t>-</a:t>
-            </a:r>
-            <a:r>
-              <a:rPr lang="en-GB" sz="2200" dirty="0">
-                <a:solidFill>
-                  <a:srgbClr val="1100C5"/>
-                </a:solidFill>
-              </a:rPr>
-              <a:t>filter \</a:t>
-            </a:r>
-          </a:p>
-          <a:p>
-            <a:r>
-              <a:rPr lang="en-GB" sz="2200" dirty="0">
-                <a:solidFill>
-                  <a:schemeClr val="bg1">
-                    <a:lumMod val="50000"/>
-                  </a:schemeClr>
-                </a:solidFill>
-              </a:rPr>
-              <a:t>	-build hg19 \</a:t>
-            </a:r>
-          </a:p>
-          <a:p>
-            <a:r>
-              <a:rPr lang="en-GB" sz="2200" dirty="0">
-                <a:solidFill>
-                  <a:schemeClr val="bg1">
-                    <a:lumMod val="50000"/>
-                  </a:schemeClr>
-                </a:solidFill>
-              </a:rPr>
-              <a:t>	</a:t>
-            </a:r>
-            <a:r>
-              <a:rPr lang="en-GB" sz="2200" dirty="0">
-                <a:solidFill>
-                  <a:srgbClr val="1100C5"/>
-                </a:solidFill>
-              </a:rPr>
-              <a:t>-</a:t>
-            </a:r>
-            <a:r>
-              <a:rPr lang="en-GB" sz="2200" dirty="0" err="1">
-                <a:solidFill>
-                  <a:srgbClr val="1100C5"/>
-                </a:solidFill>
-              </a:rPr>
-              <a:t>dbtype</a:t>
-            </a:r>
-            <a:r>
-              <a:rPr lang="en-GB" sz="2200" dirty="0">
-                <a:solidFill>
-                  <a:srgbClr val="1100C5"/>
-                </a:solidFill>
-              </a:rPr>
-              <a:t> </a:t>
-            </a:r>
-            <a:r>
-              <a:rPr lang="en-GB" sz="2200" dirty="0" err="1" smtClean="0">
-                <a:solidFill>
-                  <a:srgbClr val="1100C5"/>
-                </a:solidFill>
-              </a:rPr>
-              <a:t>filter_dbname</a:t>
-            </a:r>
-            <a:r>
-              <a:rPr lang="en-GB" sz="2200" dirty="0" smtClean="0">
-                <a:solidFill>
-                  <a:srgbClr val="1100C5"/>
-                </a:solidFill>
-              </a:rPr>
-              <a:t> \</a:t>
-            </a:r>
-            <a:r>
-              <a:rPr lang="en-GB" sz="2200" dirty="0">
-                <a:solidFill>
-                  <a:schemeClr val="bg1">
-                    <a:lumMod val="50000"/>
-                  </a:schemeClr>
-                </a:solidFill>
-              </a:rPr>
-              <a:t>	</a:t>
-            </a:r>
-            <a:r>
-              <a:rPr lang="en-GB" sz="2200" dirty="0" err="1" smtClean="0">
-                <a:solidFill>
-                  <a:schemeClr val="bg1">
-                    <a:lumMod val="50000"/>
-                  </a:schemeClr>
-                </a:solidFill>
-              </a:rPr>
-              <a:t>path_to_your_annovar_file</a:t>
-            </a:r>
-            <a:r>
-              <a:rPr lang="en-GB" sz="2200" dirty="0" err="1">
-                <a:solidFill>
-                  <a:schemeClr val="bg1">
-                    <a:lumMod val="50000"/>
-                  </a:schemeClr>
-                </a:solidFill>
-              </a:rPr>
-              <a:t>.avinput</a:t>
-            </a:r>
-            <a:r>
-              <a:rPr lang="en-GB" sz="2200" dirty="0" smtClean="0">
-                <a:solidFill>
-                  <a:schemeClr val="bg1">
-                    <a:lumMod val="50000"/>
-                  </a:schemeClr>
-                </a:solidFill>
-              </a:rPr>
-              <a:t> \</a:t>
-            </a:r>
-            <a:endParaRPr lang="en-GB" sz="2200" dirty="0">
-              <a:solidFill>
-                <a:schemeClr val="bg1">
-                  <a:lumMod val="50000"/>
-                </a:schemeClr>
-              </a:solidFill>
-            </a:endParaRPr>
-          </a:p>
-          <a:p>
-            <a:r>
-              <a:rPr lang="en-GB" sz="2200" dirty="0">
-                <a:solidFill>
-                  <a:schemeClr val="bg1">
-                    <a:lumMod val="50000"/>
-                  </a:schemeClr>
-                </a:solidFill>
-              </a:rPr>
-              <a:t>	</a:t>
-            </a:r>
-            <a:r>
-              <a:rPr lang="en-GB" sz="2200" dirty="0" err="1" smtClean="0">
-                <a:solidFill>
-                  <a:schemeClr val="bg1">
-                    <a:lumMod val="50000"/>
-                  </a:schemeClr>
-                </a:solidFill>
-              </a:rPr>
-              <a:t>path_to_your_db_folder</a:t>
-            </a:r>
-            <a:r>
-              <a:rPr lang="en-GB" sz="2200" dirty="0" smtClean="0">
-                <a:solidFill>
-                  <a:schemeClr val="bg1">
-                    <a:lumMod val="50000"/>
-                  </a:schemeClr>
-                </a:solidFill>
-              </a:rPr>
-              <a:t>;</a:t>
-            </a:r>
-            <a:endParaRPr lang="en-GB" sz="2200" dirty="0">
-              <a:solidFill>
-                <a:schemeClr val="bg1">
-                  <a:lumMod val="50000"/>
-                </a:schemeClr>
-              </a:solidFill>
-            </a:endParaRPr>
           </a:p>
         </p:txBody>
       </p:sp>
     </p:spTree>
     <p:extLst>
       <p:ext uri="{BB962C8B-B14F-4D97-AF65-F5344CB8AC3E}">
-        <p14:creationId xmlns:p14="http://schemas.microsoft.com/office/powerpoint/2010/main" val="3906672356"/>
+        <p14:creationId xmlns:p14="http://schemas.microsoft.com/office/powerpoint/2010/main" val="815591146"/>
       </p:ext>
     </p:extLst>
   </p:cSld>
